--- a/PAPER WORK/TESSY MAIN WORK/NOVEMBER/ETUKUDOH UNWANA THERESA CRIME SYSTEM.pptx
+++ b/PAPER WORK/TESSY MAIN WORK/NOVEMBER/ETUKUDOH UNWANA THERESA CRIME SYSTEM.pptx
@@ -1,6 +1,6 @@
 
 <file path=ppt/presentation.xml><?xml version="1.0" encoding="utf-8"?>
-<p:presentation xmlns:a="http://schemas.openxmlformats.org/drawingml/2006/main" xmlns:r="http://schemas.openxmlformats.org/officeDocument/2006/relationships" xmlns:p="http://schemas.openxmlformats.org/presentationml/2006/main" showSpecialPlsOnTitleSld="0">
+<p:presentation xmlns:a="http://schemas.openxmlformats.org/drawingml/2006/main" xmlns:r="http://schemas.openxmlformats.org/officeDocument/2006/relationships" xmlns:p="http://schemas.openxmlformats.org/presentationml/2006/main">
   <p:sldMasterIdLst>
     <p:sldMasterId id="2147483648" r:id="rId1"/>
     <p:sldMasterId id="2147483661" r:id="rId2"/>
@@ -123,6 +123,11 @@
       </a:defRPr>
     </a:lvl9pPr>
   </p:defaultTextStyle>
+  <p:extLst>
+    <p:ext uri="{EFAFB233-063F-42B5-8137-9DF3F51BA10A}">
+      <p15:sldGuideLst xmlns:p15="http://schemas.microsoft.com/office/powerpoint/2012/main"/>
+    </p:ext>
+  </p:extLst>
 </p:presentation>
 </file>
 
@@ -208,7 +213,7 @@
           <a:p>
             <a:fld id="{183A5A68-0FD7-46F1-9D6E-B0FC2A49F842}" type="datetimeFigureOut">
               <a:rPr lang="en-US" smtClean="0"/>
-              <a:t>21-Oct-20</a:t>
+              <a:t>13-Nov-20</a:t>
             </a:fld>
             <a:endParaRPr lang="en-US"/>
           </a:p>
@@ -288,6 +293,7 @@
     </p:extLst>
   </p:cSld>
   <p:clrMap bg1="lt1" tx1="dk1" bg2="lt2" tx2="dk2" accent1="accent1" accent2="accent2" accent3="accent3" accent4="accent4" accent5="accent5" accent6="accent6" hlink="hlink" folHlink="folHlink"/>
+  <p:hf hdr="0" ftr="0" dt="0"/>
 </p:handoutMaster>
 </file>
 
@@ -373,7 +379,7 @@
           <a:p>
             <a:fld id="{D543D59D-2402-4252-A68E-0AF45345ED2F}" type="datetimeFigureOut">
               <a:rPr lang="en-US" smtClean="0"/>
-              <a:t>21-Oct-20</a:t>
+              <a:t>13-Nov-20</a:t>
             </a:fld>
             <a:endParaRPr lang="en-US"/>
           </a:p>
@@ -546,6 +552,7 @@
     </p:extLst>
   </p:cSld>
   <p:clrMap bg1="lt1" tx1="dk1" bg2="lt2" tx2="dk2" accent1="accent1" accent2="accent2" accent3="accent3" accent4="accent4" accent5="accent5" accent6="accent6" hlink="hlink" folHlink="folHlink"/>
+  <p:hf hdr="0" ftr="0" dt="0"/>
   <p:notesStyle>
     <a:lvl1pPr marL="0" algn="l" defTabSz="914400" rtl="0" eaLnBrk="1" latinLnBrk="0" hangingPunct="1">
       <a:defRPr sz="1200" kern="1200">
@@ -639,6 +646,174 @@
     </a:lvl9pPr>
   </p:notesStyle>
 </p:notesMaster>
+</file>
+
+<file path=ppt/notesSlides/notesSlide1.xml><?xml version="1.0" encoding="utf-8"?>
+<p:notes xmlns:a="http://schemas.openxmlformats.org/drawingml/2006/main" xmlns:r="http://schemas.openxmlformats.org/officeDocument/2006/relationships" xmlns:p="http://schemas.openxmlformats.org/presentationml/2006/main">
+  <p:cSld>
+    <p:spTree>
+      <p:nvGrpSpPr>
+        <p:cNvPr id="1" name=""/>
+        <p:cNvGrpSpPr/>
+        <p:nvPr/>
+      </p:nvGrpSpPr>
+      <p:grpSpPr>
+        <a:xfrm>
+          <a:off x="0" y="0"/>
+          <a:ext cx="0" cy="0"/>
+          <a:chOff x="0" y="0"/>
+          <a:chExt cx="0" cy="0"/>
+        </a:xfrm>
+      </p:grpSpPr>
+      <p:sp>
+        <p:nvSpPr>
+          <p:cNvPr id="2" name="Slide Image Placeholder 1"/>
+          <p:cNvSpPr>
+            <a:spLocks noGrp="1" noRot="1" noChangeAspect="1"/>
+          </p:cNvSpPr>
+          <p:nvPr>
+            <p:ph type="sldImg"/>
+          </p:nvPr>
+        </p:nvSpPr>
+        <p:spPr/>
+      </p:sp>
+      <p:sp>
+        <p:nvSpPr>
+          <p:cNvPr id="3" name="Notes Placeholder 2"/>
+          <p:cNvSpPr>
+            <a:spLocks noGrp="1"/>
+          </p:cNvSpPr>
+          <p:nvPr>
+            <p:ph type="body" idx="1"/>
+          </p:nvPr>
+        </p:nvSpPr>
+        <p:spPr/>
+        <p:txBody>
+          <a:bodyPr/>
+          <a:lstStyle/>
+          <a:p>
+            <a:endParaRPr lang="en-US"/>
+          </a:p>
+        </p:txBody>
+      </p:sp>
+      <p:sp>
+        <p:nvSpPr>
+          <p:cNvPr id="4" name="Slide Number Placeholder 3"/>
+          <p:cNvSpPr>
+            <a:spLocks noGrp="1"/>
+          </p:cNvSpPr>
+          <p:nvPr>
+            <p:ph type="sldNum" sz="quarter" idx="10"/>
+          </p:nvPr>
+        </p:nvSpPr>
+        <p:spPr/>
+        <p:txBody>
+          <a:bodyPr/>
+          <a:lstStyle/>
+          <a:p>
+            <a:fld id="{37B0EF0E-8878-476C-ABAC-7018228E083E}" type="slidenum">
+              <a:rPr lang="en-US" smtClean="0"/>
+              <a:t>2</a:t>
+            </a:fld>
+            <a:endParaRPr lang="en-US"/>
+          </a:p>
+        </p:txBody>
+      </p:sp>
+    </p:spTree>
+    <p:extLst>
+      <p:ext uri="{BB962C8B-B14F-4D97-AF65-F5344CB8AC3E}">
+        <p14:creationId xmlns:p14="http://schemas.microsoft.com/office/powerpoint/2010/main" val="2451518087"/>
+      </p:ext>
+    </p:extLst>
+  </p:cSld>
+  <p:clrMapOvr>
+    <a:masterClrMapping/>
+  </p:clrMapOvr>
+</p:notes>
+</file>
+
+<file path=ppt/notesSlides/notesSlide2.xml><?xml version="1.0" encoding="utf-8"?>
+<p:notes xmlns:a="http://schemas.openxmlformats.org/drawingml/2006/main" xmlns:r="http://schemas.openxmlformats.org/officeDocument/2006/relationships" xmlns:p="http://schemas.openxmlformats.org/presentationml/2006/main">
+  <p:cSld>
+    <p:spTree>
+      <p:nvGrpSpPr>
+        <p:cNvPr id="1" name=""/>
+        <p:cNvGrpSpPr/>
+        <p:nvPr/>
+      </p:nvGrpSpPr>
+      <p:grpSpPr>
+        <a:xfrm>
+          <a:off x="0" y="0"/>
+          <a:ext cx="0" cy="0"/>
+          <a:chOff x="0" y="0"/>
+          <a:chExt cx="0" cy="0"/>
+        </a:xfrm>
+      </p:grpSpPr>
+      <p:sp>
+        <p:nvSpPr>
+          <p:cNvPr id="2" name="Slide Image Placeholder 1"/>
+          <p:cNvSpPr>
+            <a:spLocks noGrp="1" noRot="1" noChangeAspect="1"/>
+          </p:cNvSpPr>
+          <p:nvPr>
+            <p:ph type="sldImg"/>
+          </p:nvPr>
+        </p:nvSpPr>
+        <p:spPr/>
+      </p:sp>
+      <p:sp>
+        <p:nvSpPr>
+          <p:cNvPr id="3" name="Notes Placeholder 2"/>
+          <p:cNvSpPr>
+            <a:spLocks noGrp="1"/>
+          </p:cNvSpPr>
+          <p:nvPr>
+            <p:ph type="body" idx="1"/>
+          </p:nvPr>
+        </p:nvSpPr>
+        <p:spPr/>
+        <p:txBody>
+          <a:bodyPr/>
+          <a:lstStyle/>
+          <a:p>
+            <a:endParaRPr lang="en-US"/>
+          </a:p>
+        </p:txBody>
+      </p:sp>
+      <p:sp>
+        <p:nvSpPr>
+          <p:cNvPr id="4" name="Slide Number Placeholder 3"/>
+          <p:cNvSpPr>
+            <a:spLocks noGrp="1"/>
+          </p:cNvSpPr>
+          <p:nvPr>
+            <p:ph type="sldNum" sz="quarter" idx="10"/>
+          </p:nvPr>
+        </p:nvSpPr>
+        <p:spPr/>
+        <p:txBody>
+          <a:bodyPr/>
+          <a:lstStyle/>
+          <a:p>
+            <a:fld id="{37B0EF0E-8878-476C-ABAC-7018228E083E}" type="slidenum">
+              <a:rPr lang="en-US" smtClean="0"/>
+              <a:t>3</a:t>
+            </a:fld>
+            <a:endParaRPr lang="en-US"/>
+          </a:p>
+        </p:txBody>
+      </p:sp>
+    </p:spTree>
+    <p:extLst>
+      <p:ext uri="{BB962C8B-B14F-4D97-AF65-F5344CB8AC3E}">
+        <p14:creationId xmlns:p14="http://schemas.microsoft.com/office/powerpoint/2010/main" val="1856344728"/>
+      </p:ext>
+    </p:extLst>
+  </p:cSld>
+  <p:clrMapOvr>
+    <a:masterClrMapping/>
+  </p:clrMapOvr>
+</p:notes>
 </file>
 
 <file path=ppt/slideLayouts/slideLayout1.xml><?xml version="1.0" encoding="utf-8"?>
@@ -4494,6 +4669,14 @@
 <file path=ppt/slides/slide1.xml><?xml version="1.0" encoding="utf-8"?>
 <p:sld xmlns:a="http://schemas.openxmlformats.org/drawingml/2006/main" xmlns:r="http://schemas.openxmlformats.org/officeDocument/2006/relationships" xmlns:p="http://schemas.openxmlformats.org/presentationml/2006/main">
   <p:cSld>
+    <p:bg>
+      <p:bgPr>
+        <a:solidFill>
+          <a:schemeClr val="bg1"/>
+        </a:solidFill>
+        <a:effectLst/>
+      </p:bgPr>
+    </p:bg>
     <p:spTree>
       <p:nvGrpSpPr>
         <p:cNvPr id="1" name=""/>
@@ -4549,16 +4732,13 @@
               </a:lnSpc>
             </a:pPr>
             <a:r>
-              <a:rPr lang="en-US" sz="3200" b="1" strike="noStrike" spc="-1">
-                <a:solidFill>
-                  <a:srgbClr val="FFFFFF"/>
-                </a:solidFill>
+              <a:rPr lang="en-US" sz="3200" b="1" strike="noStrike" spc="-1" dirty="0">
                 <a:latin typeface="Arial"/>
                 <a:ea typeface="DejaVu Sans"/>
               </a:rPr>
               <a:t>DEVELOPMENT OF AN ONLINE CRIME REPORTING SYSTEM </a:t>
             </a:r>
-            <a:endParaRPr lang="en-US" sz="3200" b="0" strike="noStrike" spc="-1">
+            <a:endParaRPr lang="en-US" sz="3200" b="0" strike="noStrike" spc="-1" dirty="0">
               <a:latin typeface="Arial"/>
             </a:endParaRPr>
           </a:p>
@@ -4605,16 +4785,13 @@
               </a:lnSpc>
             </a:pPr>
             <a:r>
-              <a:rPr lang="en-US" sz="3200" b="0" strike="noStrike" spc="-1">
-                <a:solidFill>
-                  <a:srgbClr val="FFFFFF"/>
-                </a:solidFill>
+              <a:rPr lang="en-US" sz="3200" b="0" strike="noStrike" spc="-1" dirty="0">
                 <a:latin typeface="Arial"/>
                 <a:ea typeface="DejaVu Sans"/>
               </a:rPr>
               <a:t>PRESENTATION </a:t>
             </a:r>
-            <a:endParaRPr lang="en-US" sz="3200" b="0" strike="noStrike" spc="-1">
+            <a:endParaRPr lang="en-US" sz="3200" b="0" strike="noStrike" spc="-1" dirty="0">
               <a:latin typeface="Arial"/>
             </a:endParaRPr>
           </a:p>
@@ -4624,7 +4801,7 @@
                 <a:spcPct val="100000"/>
               </a:lnSpc>
             </a:pPr>
-            <a:endParaRPr lang="en-US" sz="3200" b="0" strike="noStrike" spc="-1">
+            <a:endParaRPr lang="en-US" sz="3200" b="0" strike="noStrike" spc="-1" dirty="0">
               <a:latin typeface="Arial"/>
             </a:endParaRPr>
           </a:p>
@@ -4635,16 +4812,13 @@
               </a:lnSpc>
             </a:pPr>
             <a:r>
-              <a:rPr lang="en-US" sz="3200" b="0" strike="noStrike" spc="-1">
-                <a:solidFill>
-                  <a:srgbClr val="FFFFFF"/>
-                </a:solidFill>
+              <a:rPr lang="en-US" sz="3200" b="0" strike="noStrike" spc="-1" dirty="0">
                 <a:latin typeface="Arial"/>
                 <a:ea typeface="DejaVu Sans"/>
               </a:rPr>
               <a:t>BY</a:t>
             </a:r>
-            <a:endParaRPr lang="en-US" sz="3200" b="0" strike="noStrike" spc="-1">
+            <a:endParaRPr lang="en-US" sz="3200" b="0" strike="noStrike" spc="-1" dirty="0">
               <a:latin typeface="Arial"/>
             </a:endParaRPr>
           </a:p>
@@ -4654,7 +4828,7 @@
                 <a:spcPct val="100000"/>
               </a:lnSpc>
             </a:pPr>
-            <a:endParaRPr lang="en-US" sz="3200" b="0" strike="noStrike" spc="-1">
+            <a:endParaRPr lang="en-US" sz="3200" b="0" strike="noStrike" spc="-1" dirty="0">
               <a:latin typeface="Arial"/>
             </a:endParaRPr>
           </a:p>
@@ -4665,16 +4839,13 @@
               </a:lnSpc>
             </a:pPr>
             <a:r>
-              <a:rPr lang="en-US" sz="3200" b="0" strike="noStrike" spc="-1">
-                <a:solidFill>
-                  <a:srgbClr val="FFFFFF"/>
-                </a:solidFill>
+              <a:rPr lang="en-US" sz="3200" b="0" strike="noStrike" spc="-1" dirty="0">
                 <a:latin typeface="Arial"/>
                 <a:ea typeface="DejaVu Sans"/>
               </a:rPr>
               <a:t>ETUKUDOH, UNWANA THERESA</a:t>
             </a:r>
-            <a:endParaRPr lang="en-US" sz="3200" b="0" strike="noStrike" spc="-1">
+            <a:endParaRPr lang="en-US" sz="3200" b="0" strike="noStrike" spc="-1" dirty="0">
               <a:latin typeface="Arial"/>
             </a:endParaRPr>
           </a:p>
@@ -4685,16 +4856,13 @@
               </a:lnSpc>
             </a:pPr>
             <a:r>
-              <a:rPr lang="en-US" sz="3200" b="0" i="1" strike="noStrike" spc="-1">
-                <a:solidFill>
-                  <a:srgbClr val="FFFFFF"/>
-                </a:solidFill>
+              <a:rPr lang="en-US" sz="3200" b="0" i="1" strike="noStrike" spc="-1" dirty="0">
                 <a:latin typeface="Arial"/>
                 <a:ea typeface="DejaVu Sans"/>
               </a:rPr>
               <a:t>AK15/NAS/CSC/022</a:t>
             </a:r>
-            <a:endParaRPr lang="en-US" sz="3200" b="0" strike="noStrike" spc="-1">
+            <a:endParaRPr lang="en-US" sz="3200" b="0" strike="noStrike" spc="-1" dirty="0">
               <a:latin typeface="Arial"/>
             </a:endParaRPr>
           </a:p>
@@ -4741,16 +4909,20 @@
               </a:lnSpc>
             </a:pPr>
             <a:r>
-              <a:rPr lang="en-US" sz="2200" b="1" strike="noStrike" spc="-1">
-                <a:solidFill>
-                  <a:srgbClr val="EEEEEE"/>
-                </a:solidFill>
+              <a:rPr lang="en-US" sz="2200" b="1" strike="noStrike" spc="-1" dirty="0" smtClean="0">
                 <a:latin typeface="Arial"/>
                 <a:ea typeface="DejaVu Sans"/>
               </a:rPr>
-              <a:t>OCTOBER, 2020</a:t>
-            </a:r>
-            <a:endParaRPr lang="en-US" sz="2200" b="0" strike="noStrike" spc="-1">
+              <a:t>NOVEMBER</a:t>
+            </a:r>
+            <a:r>
+              <a:rPr lang="en-US" sz="2200" b="1" strike="noStrike" spc="-1" smtClean="0">
+                <a:latin typeface="Arial"/>
+                <a:ea typeface="DejaVu Sans"/>
+              </a:rPr>
+              <a:t>, 2020.</a:t>
+            </a:r>
+            <a:endParaRPr lang="en-US" sz="2200" b="0" strike="noStrike" spc="-1" dirty="0">
               <a:latin typeface="Arial"/>
             </a:endParaRPr>
           </a:p>
@@ -4910,16 +5082,46 @@
               </a:spcAft>
             </a:pPr>
             <a:r>
-              <a:rPr lang="en-US" sz="2800" b="0" strike="noStrike" spc="-1">
+              <a:rPr lang="en-US" sz="2800" b="0" strike="noStrike" spc="-1" dirty="0">
                 <a:solidFill>
                   <a:srgbClr val="000000"/>
                 </a:solidFill>
                 <a:latin typeface="Times New Roman"/>
                 <a:ea typeface="Calibri"/>
               </a:rPr>
-              <a:t>The research methodology adopted for this research work is the secondary data source collection. The secondary data collection is the collection of an already made data, information obtained from sources like journals, textbook, magazines, internet.  In order to achieve the research objectives the below procedures will be follow;</a:t>
-            </a:r>
-            <a:endParaRPr lang="en-US" sz="2800" b="0" strike="noStrike" spc="-1">
+              <a:t>The research methodology adopted for this research work is the secondary data source collection. The secondary data collection is the collection of an already made data, information obtained from sources like journals, textbook, magazines, internet.  In order to achieve </a:t>
+            </a:r>
+            <a:r>
+              <a:rPr lang="en-US" sz="2800" b="0" strike="noStrike" spc="-1" dirty="0" smtClean="0">
+                <a:solidFill>
+                  <a:srgbClr val="000000"/>
+                </a:solidFill>
+                <a:latin typeface="Times New Roman"/>
+                <a:ea typeface="Calibri"/>
+              </a:rPr>
+              <a:t>these </a:t>
+            </a:r>
+            <a:r>
+              <a:rPr lang="en-US" sz="2800" b="0" strike="noStrike" spc="-1" dirty="0">
+                <a:solidFill>
+                  <a:srgbClr val="000000"/>
+                </a:solidFill>
+                <a:latin typeface="Times New Roman"/>
+                <a:ea typeface="Calibri"/>
+              </a:rPr>
+              <a:t>research objectives the below procedures will be </a:t>
+            </a:r>
+            <a:r>
+              <a:rPr lang="en-US" sz="2800" b="0" strike="noStrike" spc="-1" dirty="0" smtClean="0">
+                <a:solidFill>
+                  <a:srgbClr val="000000"/>
+                </a:solidFill>
+                <a:latin typeface="Times New Roman"/>
+                <a:ea typeface="Calibri"/>
+              </a:rPr>
+              <a:t>followed;</a:t>
+            </a:r>
+            <a:endParaRPr lang="en-US" sz="2800" b="0" strike="noStrike" spc="-1" dirty="0">
               <a:latin typeface="Arial"/>
             </a:endParaRPr>
           </a:p>
@@ -4939,7 +5141,7 @@
               <a:buChar char=""/>
             </a:pPr>
             <a:r>
-              <a:rPr lang="en-US" sz="2800" b="0" strike="noStrike" spc="-1">
+              <a:rPr lang="en-US" sz="2800" b="0" strike="noStrike" spc="-1" dirty="0">
                 <a:solidFill>
                   <a:srgbClr val="000000"/>
                 </a:solidFill>
@@ -4948,7 +5150,7 @@
               </a:rPr>
               <a:t>Conducting a preliminary study on the existing systems.</a:t>
             </a:r>
-            <a:endParaRPr lang="en-US" sz="2800" b="0" strike="noStrike" spc="-1">
+            <a:endParaRPr lang="en-US" sz="2800" b="0" strike="noStrike" spc="-1" dirty="0">
               <a:latin typeface="Arial"/>
             </a:endParaRPr>
           </a:p>
@@ -4968,7 +5170,7 @@
               <a:buChar char=""/>
             </a:pPr>
             <a:r>
-              <a:rPr lang="en-US" sz="2800" b="0" strike="noStrike" spc="-1">
+              <a:rPr lang="en-US" sz="2800" b="0" strike="noStrike" spc="-1" dirty="0">
                 <a:solidFill>
                   <a:srgbClr val="000000"/>
                 </a:solidFill>
@@ -4977,7 +5179,7 @@
               </a:rPr>
               <a:t>Designing the system using UML diagrams.</a:t>
             </a:r>
-            <a:endParaRPr lang="en-US" sz="2800" b="0" strike="noStrike" spc="-1">
+            <a:endParaRPr lang="en-US" sz="2800" b="0" strike="noStrike" spc="-1" dirty="0">
               <a:latin typeface="Arial"/>
             </a:endParaRPr>
           </a:p>
@@ -4997,7 +5199,7 @@
               <a:buChar char=""/>
             </a:pPr>
             <a:r>
-              <a:rPr lang="en-US" sz="2800" b="0" strike="noStrike" spc="-1">
+              <a:rPr lang="en-US" sz="2800" b="0" strike="noStrike" spc="-1" dirty="0">
                 <a:solidFill>
                   <a:srgbClr val="000000"/>
                 </a:solidFill>
@@ -5006,7 +5208,7 @@
               </a:rPr>
               <a:t>Developing the system using agile software development model.</a:t>
             </a:r>
-            <a:endParaRPr lang="en-US" sz="2800" b="0" strike="noStrike" spc="-1">
+            <a:endParaRPr lang="en-US" sz="2800" b="0" strike="noStrike" spc="-1" dirty="0">
               <a:latin typeface="Arial"/>
             </a:endParaRPr>
           </a:p>
@@ -5026,16 +5228,36 @@
               <a:buChar char=""/>
             </a:pPr>
             <a:r>
-              <a:rPr lang="en-US" sz="2800" b="0" strike="noStrike" spc="-1">
+              <a:rPr lang="en-US" sz="2800" b="0" strike="noStrike" spc="-1" dirty="0">
                 <a:solidFill>
                   <a:srgbClr val="000000"/>
                 </a:solidFill>
                 <a:latin typeface="Times New Roman"/>
                 <a:ea typeface="Calibri"/>
               </a:rPr>
-              <a:t>Implementing a prototype system using PHP, Javascript, Java as programming languages, MySQL for database, and Visual Studio Code IDE.</a:t>
-            </a:r>
-            <a:endParaRPr lang="en-US" sz="2800" b="0" strike="noStrike" spc="-1">
+              <a:t>Implementing a prototype system using PHP, </a:t>
+            </a:r>
+            <a:r>
+              <a:rPr lang="en-US" sz="2800" b="0" strike="noStrike" spc="-1" dirty="0" err="1">
+                <a:solidFill>
+                  <a:srgbClr val="000000"/>
+                </a:solidFill>
+                <a:latin typeface="Times New Roman"/>
+                <a:ea typeface="Calibri"/>
+              </a:rPr>
+              <a:t>Javascript</a:t>
+            </a:r>
+            <a:r>
+              <a:rPr lang="en-US" sz="2800" b="0" strike="noStrike" spc="-1" dirty="0">
+                <a:solidFill>
+                  <a:srgbClr val="000000"/>
+                </a:solidFill>
+                <a:latin typeface="Times New Roman"/>
+                <a:ea typeface="Calibri"/>
+              </a:rPr>
+              <a:t>, Java as programming languages, MySQL for database, and Visual Studio Code IDE.</a:t>
+            </a:r>
+            <a:endParaRPr lang="en-US" sz="2800" b="0" strike="noStrike" spc="-1" dirty="0">
               <a:latin typeface="Arial"/>
             </a:endParaRPr>
           </a:p>
@@ -5049,21 +5271,99 @@
               </a:spcAft>
             </a:pPr>
             <a:r>
-              <a:rPr lang="en-US" sz="2800" b="0" strike="noStrike" spc="-1">
+              <a:rPr lang="en-US" sz="2800" b="0" strike="noStrike" spc="-1" dirty="0">
                 <a:solidFill>
                   <a:srgbClr val="000000"/>
                 </a:solidFill>
                 <a:latin typeface="Times New Roman"/>
                 <a:ea typeface="Calibri"/>
               </a:rPr>
-              <a:t>The system development methodology employed is the Agile Methodology approach.</a:t>
-            </a:r>
-            <a:endParaRPr lang="en-US" sz="2800" b="0" strike="noStrike" spc="-1">
+              <a:t>The </a:t>
+            </a:r>
+            <a:r>
+              <a:rPr lang="en-US" sz="2800" b="0" strike="noStrike" spc="-1" dirty="0" smtClean="0">
+                <a:solidFill>
+                  <a:srgbClr val="000000"/>
+                </a:solidFill>
+                <a:latin typeface="Times New Roman"/>
+                <a:ea typeface="Calibri"/>
+              </a:rPr>
+              <a:t>software </a:t>
+            </a:r>
+            <a:r>
+              <a:rPr lang="en-US" sz="2800" b="0" strike="noStrike" spc="-1" dirty="0">
+                <a:solidFill>
+                  <a:srgbClr val="000000"/>
+                </a:solidFill>
+                <a:latin typeface="Times New Roman"/>
+                <a:ea typeface="Calibri"/>
+              </a:rPr>
+              <a:t>development </a:t>
+            </a:r>
+            <a:r>
+              <a:rPr lang="en-US" sz="2800" b="0" strike="noStrike" spc="-1" dirty="0" smtClean="0">
+                <a:solidFill>
+                  <a:srgbClr val="000000"/>
+                </a:solidFill>
+                <a:latin typeface="Times New Roman"/>
+                <a:ea typeface="Calibri"/>
+              </a:rPr>
+              <a:t>model </a:t>
+            </a:r>
+            <a:r>
+              <a:rPr lang="en-US" sz="2800" b="0" strike="noStrike" spc="-1" dirty="0">
+                <a:solidFill>
+                  <a:srgbClr val="000000"/>
+                </a:solidFill>
+                <a:latin typeface="Times New Roman"/>
+                <a:ea typeface="Calibri"/>
+              </a:rPr>
+              <a:t>employed is the Agile Methodology approach.</a:t>
+            </a:r>
+            <a:endParaRPr lang="en-US" sz="2800" b="0" strike="noStrike" spc="-1" dirty="0">
               <a:solidFill>
                 <a:srgbClr val="000000"/>
               </a:solidFill>
               <a:latin typeface="Calibri"/>
               <a:ea typeface="Calibri"/>
+            </a:endParaRPr>
+          </a:p>
+        </p:txBody>
+      </p:sp>
+      <p:sp>
+        <p:nvSpPr>
+          <p:cNvPr id="4" name="TextBox 3"/>
+          <p:cNvSpPr txBox="1"/>
+          <p:nvPr/>
+        </p:nvSpPr>
+        <p:spPr>
+          <a:xfrm>
+            <a:off x="503640" y="399831"/>
+            <a:ext cx="593766" cy="369332"/>
+          </a:xfrm>
+          <a:prstGeom prst="rect">
+            <a:avLst/>
+          </a:prstGeom>
+          <a:noFill/>
+        </p:spPr>
+        <p:txBody>
+          <a:bodyPr wrap="square" rtlCol="0">
+            <a:spAutoFit/>
+          </a:bodyPr>
+          <a:lstStyle/>
+          <a:p>
+            <a:r>
+              <a:rPr lang="en-US" b="1" dirty="0" smtClean="0">
+                <a:solidFill>
+                  <a:srgbClr val="C00000"/>
+                </a:solidFill>
+              </a:rPr>
+              <a:t>9</a:t>
+            </a:r>
+            <a:endParaRPr lang="en-US" b="1" dirty="0">
+              <a:solidFill>
+                <a:srgbClr val="C00000"/>
+              </a:solidFill>
             </a:endParaRPr>
           </a:p>
         </p:txBody>
@@ -5231,6 +5531,44 @@
           </a:ln>
         </p:spPr>
       </p:pic>
+      <p:sp>
+        <p:nvSpPr>
+          <p:cNvPr id="5" name="TextBox 4"/>
+          <p:cNvSpPr txBox="1"/>
+          <p:nvPr/>
+        </p:nvSpPr>
+        <p:spPr>
+          <a:xfrm>
+            <a:off x="503640" y="399831"/>
+            <a:ext cx="593766" cy="369332"/>
+          </a:xfrm>
+          <a:prstGeom prst="rect">
+            <a:avLst/>
+          </a:prstGeom>
+          <a:noFill/>
+        </p:spPr>
+        <p:txBody>
+          <a:bodyPr wrap="square" rtlCol="0">
+            <a:spAutoFit/>
+          </a:bodyPr>
+          <a:lstStyle/>
+          <a:p>
+            <a:r>
+              <a:rPr lang="en-US" b="1" dirty="0" smtClean="0">
+                <a:solidFill>
+                  <a:srgbClr val="C00000"/>
+                </a:solidFill>
+              </a:rPr>
+              <a:t>10</a:t>
+            </a:r>
+            <a:endParaRPr lang="en-US" b="1" dirty="0">
+              <a:solidFill>
+                <a:srgbClr val="C00000"/>
+              </a:solidFill>
+            </a:endParaRPr>
+          </a:p>
+        </p:txBody>
+      </p:sp>
     </p:spTree>
   </p:cSld>
   <p:clrMapOvr>
@@ -5372,9 +5710,122 @@
         </p:style>
         <p:txBody>
           <a:bodyPr lIns="0" tIns="0" rIns="0" bIns="0">
-            <a:normAutofit fontScale="85000" lnSpcReduction="10000"/>
+            <a:normAutofit fontScale="92500" lnSpcReduction="20000"/>
           </a:bodyPr>
           <a:lstStyle/>
+          <a:p>
+            <a:pPr defTabSz="403225">
+              <a:lnSpc>
+                <a:spcPct val="115000"/>
+              </a:lnSpc>
+              <a:spcAft>
+                <a:spcPts val="1001"/>
+              </a:spcAft>
+            </a:pPr>
+            <a:r>
+              <a:rPr lang="en-US" sz="1800" b="0" strike="noStrike" spc="-1" dirty="0" err="1">
+                <a:solidFill>
+                  <a:srgbClr val="000000"/>
+                </a:solidFill>
+                <a:latin typeface="Times New Roman"/>
+                <a:ea typeface="Calibri"/>
+              </a:rPr>
+              <a:t>Archana</a:t>
+            </a:r>
+            <a:r>
+              <a:rPr lang="en-US" sz="1800" b="0" strike="noStrike" spc="-1" dirty="0">
+                <a:solidFill>
+                  <a:srgbClr val="000000"/>
+                </a:solidFill>
+                <a:latin typeface="Times New Roman"/>
+                <a:ea typeface="Calibri"/>
+              </a:rPr>
+              <a:t>, M., &amp; </a:t>
+            </a:r>
+            <a:r>
+              <a:rPr lang="en-US" sz="1800" b="0" strike="noStrike" spc="-1" dirty="0" err="1">
+                <a:solidFill>
+                  <a:srgbClr val="000000"/>
+                </a:solidFill>
+                <a:latin typeface="Times New Roman"/>
+                <a:ea typeface="Calibri"/>
+              </a:rPr>
+              <a:t>Durga</a:t>
+            </a:r>
+            <a:r>
+              <a:rPr lang="en-US" sz="1800" b="0" strike="noStrike" spc="-1" dirty="0">
+                <a:solidFill>
+                  <a:srgbClr val="000000"/>
+                </a:solidFill>
+                <a:latin typeface="Times New Roman"/>
+                <a:ea typeface="Calibri"/>
+              </a:rPr>
+              <a:t>, S. (2016). Online Crime Reporting System. </a:t>
+            </a:r>
+            <a:r>
+              <a:rPr lang="en-US" sz="1800" b="0" i="1" strike="noStrike" spc="-1" dirty="0">
+                <a:solidFill>
+                  <a:srgbClr val="000000"/>
+                </a:solidFill>
+                <a:latin typeface="Times New Roman"/>
+                <a:ea typeface="Calibri"/>
+              </a:rPr>
+              <a:t>International Journal Of </a:t>
+            </a:r>
+            <a:r>
+              <a:rPr lang="en-US" sz="1800" b="0" i="1" strike="noStrike" spc="-1" dirty="0" smtClean="0">
+                <a:solidFill>
+                  <a:srgbClr val="000000"/>
+                </a:solidFill>
+                <a:latin typeface="Times New Roman"/>
+                <a:ea typeface="Calibri"/>
+              </a:rPr>
+              <a:t>Advanced 	Networking </a:t>
+            </a:r>
+            <a:r>
+              <a:rPr lang="en-US" sz="1800" b="0" i="1" strike="noStrike" spc="-1" dirty="0">
+                <a:solidFill>
+                  <a:srgbClr val="000000"/>
+                </a:solidFill>
+                <a:latin typeface="Times New Roman"/>
+                <a:ea typeface="Calibri"/>
+              </a:rPr>
+              <a:t>&amp; </a:t>
+            </a:r>
+            <a:r>
+              <a:rPr lang="en-US" sz="1800" b="0" i="1" strike="noStrike" spc="-1" dirty="0" smtClean="0">
+                <a:solidFill>
+                  <a:srgbClr val="000000"/>
+                </a:solidFill>
+                <a:latin typeface="Times New Roman"/>
+                <a:ea typeface="Calibri"/>
+              </a:rPr>
+              <a:t>	Applications </a:t>
+            </a:r>
+            <a:r>
+              <a:rPr lang="en-US" sz="1800" b="0" i="1" strike="noStrike" spc="-1" dirty="0">
+                <a:solidFill>
+                  <a:srgbClr val="000000"/>
+                </a:solidFill>
+                <a:latin typeface="Times New Roman"/>
+                <a:ea typeface="Calibri"/>
+              </a:rPr>
+              <a:t>(IJANA) , 1</a:t>
+            </a:r>
+            <a:r>
+              <a:rPr lang="en-US" sz="1800" b="0" strike="noStrike" spc="-1" dirty="0">
+                <a:solidFill>
+                  <a:srgbClr val="000000"/>
+                </a:solidFill>
+                <a:latin typeface="Times New Roman"/>
+                <a:ea typeface="Calibri"/>
+              </a:rPr>
+              <a:t> (1), 297-299.</a:t>
+            </a:r>
+            <a:endParaRPr lang="en-US" sz="1800" b="0" strike="noStrike" spc="-1" dirty="0">
+              <a:latin typeface="Arial"/>
+            </a:endParaRPr>
+          </a:p>
           <a:p>
             <a:pPr>
               <a:lnSpc>
@@ -5384,37 +5835,120 @@
                 <a:spcPts val="1001"/>
               </a:spcAft>
             </a:pPr>
-            <a:r>
-              <a:rPr lang="en-US" sz="1800" b="0" strike="noStrike" spc="-1">
+            <a:endParaRPr lang="en-US" sz="1800" b="0" strike="noStrike" spc="-1" dirty="0">
+              <a:latin typeface="Arial"/>
+            </a:endParaRPr>
+          </a:p>
+          <a:p>
+            <a:pPr defTabSz="344488">
+              <a:lnSpc>
+                <a:spcPct val="115000"/>
+              </a:lnSpc>
+              <a:spcAft>
+                <a:spcPts val="1001"/>
+              </a:spcAft>
+            </a:pPr>
+            <a:r>
+              <a:rPr lang="en-US" sz="1800" b="0" strike="noStrike" spc="-1" dirty="0" err="1">
                 <a:solidFill>
                   <a:srgbClr val="000000"/>
                 </a:solidFill>
                 <a:latin typeface="Times New Roman"/>
                 <a:ea typeface="Calibri"/>
               </a:rPr>
-              <a:t>Archana, M., &amp; Durga, S. (2016). Online Crime Reporting System. </a:t>
-            </a:r>
-            <a:r>
-              <a:rPr lang="en-US" sz="1800" b="0" i="1" strike="noStrike" spc="-1">
+              <a:t>Jimoh</a:t>
+            </a:r>
+            <a:r>
+              <a:rPr lang="en-US" sz="1800" b="0" strike="noStrike" spc="-1" dirty="0">
                 <a:solidFill>
                   <a:srgbClr val="000000"/>
                 </a:solidFill>
                 <a:latin typeface="Times New Roman"/>
                 <a:ea typeface="Calibri"/>
               </a:rPr>
-              <a:t>International Journal Of 		Advanced 				     	Networking &amp; Applications (IJANA) , 1</a:t>
-            </a:r>
-            <a:r>
-              <a:rPr lang="en-US" sz="1800" b="0" strike="noStrike" spc="-1">
+              <a:t>, R., </a:t>
+            </a:r>
+            <a:r>
+              <a:rPr lang="en-US" sz="1800" b="0" strike="noStrike" spc="-1" dirty="0" err="1">
                 <a:solidFill>
                   <a:srgbClr val="000000"/>
                 </a:solidFill>
                 <a:latin typeface="Times New Roman"/>
                 <a:ea typeface="Calibri"/>
               </a:rPr>
-              <a:t> (1), 297-299.</a:t>
-            </a:r>
-            <a:endParaRPr lang="en-US" sz="1800" b="0" strike="noStrike" spc="-1">
+              <a:t>Ojulari</a:t>
+            </a:r>
+            <a:r>
+              <a:rPr lang="en-US" sz="1800" b="0" strike="noStrike" spc="-1" dirty="0">
+                <a:solidFill>
+                  <a:srgbClr val="000000"/>
+                </a:solidFill>
+                <a:latin typeface="Times New Roman"/>
+                <a:ea typeface="Calibri"/>
+              </a:rPr>
+              <a:t>, K., &amp; </a:t>
+            </a:r>
+            <a:r>
+              <a:rPr lang="en-US" sz="1800" b="0" strike="noStrike" spc="-1" dirty="0" err="1">
+                <a:solidFill>
+                  <a:srgbClr val="000000"/>
+                </a:solidFill>
+                <a:latin typeface="Times New Roman"/>
+                <a:ea typeface="Calibri"/>
+              </a:rPr>
+              <a:t>Enikuomehin</a:t>
+            </a:r>
+            <a:r>
+              <a:rPr lang="en-US" sz="1800" b="0" strike="noStrike" spc="-1" dirty="0">
+                <a:solidFill>
+                  <a:srgbClr val="000000"/>
+                </a:solidFill>
+                <a:latin typeface="Times New Roman"/>
+                <a:ea typeface="Calibri"/>
+              </a:rPr>
+              <a:t>, O. (2014). A Scalable Online Crime Reporting System. 	</a:t>
+            </a:r>
+            <a:r>
+              <a:rPr lang="en-US" sz="1800" b="0" i="1" strike="noStrike" spc="-1" dirty="0">
+                <a:solidFill>
+                  <a:srgbClr val="000000"/>
+                </a:solidFill>
+                <a:latin typeface="Times New Roman"/>
+                <a:ea typeface="Calibri"/>
+              </a:rPr>
+              <a:t>African </a:t>
+            </a:r>
+            <a:r>
+              <a:rPr lang="en-US" sz="1800" b="0" i="1" strike="noStrike" spc="-1" dirty="0" smtClean="0">
+                <a:solidFill>
+                  <a:srgbClr val="000000"/>
+                </a:solidFill>
+                <a:latin typeface="Times New Roman"/>
+                <a:ea typeface="Calibri"/>
+              </a:rPr>
+              <a:t>	Journal of 	Computing </a:t>
+            </a:r>
+            <a:r>
+              <a:rPr lang="en-US" sz="1800" b="0" i="1" strike="noStrike" spc="-1" dirty="0">
+                <a:solidFill>
+                  <a:srgbClr val="000000"/>
+                </a:solidFill>
+                <a:latin typeface="Times New Roman"/>
+                <a:ea typeface="Calibri"/>
+              </a:rPr>
+              <a:t>&amp; ICT , 7</a:t>
+            </a:r>
+            <a:r>
+              <a:rPr lang="en-US" sz="1800" b="0" strike="noStrike" spc="-1" dirty="0">
+                <a:solidFill>
+                  <a:srgbClr val="000000"/>
+                </a:solidFill>
+                <a:latin typeface="Times New Roman"/>
+                <a:ea typeface="Calibri"/>
+              </a:rPr>
+              <a:t> (1), 11-20.</a:t>
+            </a:r>
+            <a:endParaRPr lang="en-US" sz="1800" b="0" strike="noStrike" spc="-1" dirty="0">
               <a:latin typeface="Arial"/>
             </a:endParaRPr>
           </a:p>
@@ -5427,7 +5961,217 @@
                 <a:spcPts val="1001"/>
               </a:spcAft>
             </a:pPr>
-            <a:endParaRPr lang="en-US" sz="1800" b="0" strike="noStrike" spc="-1">
+            <a:endParaRPr lang="en-US" spc="-1" dirty="0">
+              <a:latin typeface="Arial"/>
+            </a:endParaRPr>
+          </a:p>
+          <a:p>
+            <a:pPr defTabSz="344488">
+              <a:lnSpc>
+                <a:spcPct val="115000"/>
+              </a:lnSpc>
+              <a:spcAft>
+                <a:spcPts val="1001"/>
+              </a:spcAft>
+            </a:pPr>
+            <a:r>
+              <a:rPr lang="en-US" sz="1800" b="0" strike="noStrike" spc="-1" dirty="0" err="1" smtClean="0">
+                <a:solidFill>
+                  <a:srgbClr val="000000"/>
+                </a:solidFill>
+                <a:latin typeface="Times New Roman"/>
+                <a:ea typeface="Calibri"/>
+              </a:rPr>
+              <a:t>Selvakani</a:t>
+            </a:r>
+            <a:r>
+              <a:rPr lang="en-US" sz="1800" b="0" strike="noStrike" spc="-1" dirty="0">
+                <a:solidFill>
+                  <a:srgbClr val="000000"/>
+                </a:solidFill>
+                <a:latin typeface="Times New Roman"/>
+                <a:ea typeface="Calibri"/>
+              </a:rPr>
+              <a:t>, S., </a:t>
+            </a:r>
+            <a:r>
+              <a:rPr lang="en-US" sz="1800" b="0" strike="noStrike" spc="-1" dirty="0" err="1">
+                <a:solidFill>
+                  <a:srgbClr val="000000"/>
+                </a:solidFill>
+                <a:latin typeface="Times New Roman"/>
+                <a:ea typeface="Calibri"/>
+              </a:rPr>
+              <a:t>Vasumathi</a:t>
+            </a:r>
+            <a:r>
+              <a:rPr lang="en-US" sz="1800" b="0" strike="noStrike" spc="-1" dirty="0">
+                <a:solidFill>
+                  <a:srgbClr val="000000"/>
+                </a:solidFill>
+                <a:latin typeface="Times New Roman"/>
+                <a:ea typeface="Calibri"/>
+              </a:rPr>
+              <a:t>, K., &amp; </a:t>
+            </a:r>
+            <a:r>
+              <a:rPr lang="en-US" sz="1800" b="0" strike="noStrike" spc="-1" dirty="0" err="1">
+                <a:solidFill>
+                  <a:srgbClr val="000000"/>
+                </a:solidFill>
+                <a:latin typeface="Times New Roman"/>
+                <a:ea typeface="Calibri"/>
+              </a:rPr>
+              <a:t>Harikaran</a:t>
+            </a:r>
+            <a:r>
+              <a:rPr lang="en-US" sz="1800" b="0" strike="noStrike" spc="-1" dirty="0">
+                <a:solidFill>
+                  <a:srgbClr val="000000"/>
+                </a:solidFill>
+                <a:latin typeface="Times New Roman"/>
+                <a:ea typeface="Calibri"/>
+              </a:rPr>
+              <a:t>, M. (2019). Web Based Online Crime Reporting </a:t>
+            </a:r>
+            <a:r>
+              <a:rPr lang="en-US" sz="1800" b="0" strike="noStrike" spc="-1" dirty="0" smtClean="0">
+                <a:solidFill>
+                  <a:srgbClr val="000000"/>
+                </a:solidFill>
+                <a:latin typeface="Times New Roman"/>
+                <a:ea typeface="Calibri"/>
+              </a:rPr>
+              <a:t>System </a:t>
+            </a:r>
+            <a:r>
+              <a:rPr lang="en-US" sz="1800" b="0" strike="noStrike" spc="-1" dirty="0">
+                <a:solidFill>
+                  <a:srgbClr val="000000"/>
+                </a:solidFill>
+                <a:latin typeface="Times New Roman"/>
+                <a:ea typeface="Calibri"/>
+              </a:rPr>
+              <a:t>using </a:t>
+            </a:r>
+            <a:r>
+              <a:rPr lang="en-US" spc="-1" dirty="0">
+                <a:solidFill>
+                  <a:srgbClr val="000000"/>
+                </a:solidFill>
+                <a:latin typeface="Times New Roman"/>
+                <a:ea typeface="Calibri"/>
+              </a:rPr>
+              <a:t>	</a:t>
+            </a:r>
+            <a:r>
+              <a:rPr lang="en-US" sz="1800" b="0" strike="noStrike" spc="-1" dirty="0" err="1" smtClean="0">
+                <a:solidFill>
+                  <a:srgbClr val="000000"/>
+                </a:solidFill>
+                <a:latin typeface="Times New Roman"/>
+                <a:ea typeface="Calibri"/>
+              </a:rPr>
+              <a:t>Asp.Net</a:t>
+            </a:r>
+            <a:r>
+              <a:rPr lang="en-US" sz="1800" b="0" strike="noStrike" spc="-1" dirty="0">
+                <a:solidFill>
+                  <a:srgbClr val="000000"/>
+                </a:solidFill>
+                <a:latin typeface="Times New Roman"/>
+                <a:ea typeface="Calibri"/>
+              </a:rPr>
+              <a:t>. </a:t>
+            </a:r>
+            <a:r>
+              <a:rPr lang="en-US" sz="1800" b="0" i="1" strike="noStrike" spc="-1" dirty="0">
+                <a:solidFill>
+                  <a:srgbClr val="000000"/>
+                </a:solidFill>
+                <a:latin typeface="Times New Roman"/>
+                <a:ea typeface="Calibri"/>
+              </a:rPr>
+              <a:t>International Journal of Innovative Technology and Exploring </a:t>
+            </a:r>
+            <a:r>
+              <a:rPr lang="en-US" sz="1800" b="0" i="1" strike="noStrike" spc="-1" dirty="0" smtClean="0">
+                <a:solidFill>
+                  <a:srgbClr val="000000"/>
+                </a:solidFill>
+                <a:latin typeface="Times New Roman"/>
+                <a:ea typeface="Calibri"/>
+              </a:rPr>
+              <a:t>Engineering </a:t>
+            </a:r>
+            <a:r>
+              <a:rPr lang="en-US" sz="1800" b="0" i="1" strike="noStrike" spc="-1" dirty="0">
+                <a:solidFill>
+                  <a:srgbClr val="000000"/>
+                </a:solidFill>
+                <a:latin typeface="Times New Roman"/>
+                <a:ea typeface="Calibri"/>
+              </a:rPr>
+              <a:t>(IJITEE) , </a:t>
+            </a:r>
+            <a:endParaRPr lang="en-US" sz="1800" b="0" i="1" strike="noStrike" spc="-1" dirty="0" smtClean="0">
+              <a:solidFill>
+                <a:srgbClr val="000000"/>
+              </a:solidFill>
+              <a:latin typeface="Times New Roman"/>
+              <a:ea typeface="Calibri"/>
+            </a:endParaRPr>
+          </a:p>
+          <a:p>
+            <a:pPr defTabSz="344488">
+              <a:lnSpc>
+                <a:spcPct val="115000"/>
+              </a:lnSpc>
+              <a:spcAft>
+                <a:spcPts val="1001"/>
+              </a:spcAft>
+            </a:pPr>
+            <a:r>
+              <a:rPr lang="en-US" i="1" spc="-1" dirty="0">
+                <a:solidFill>
+                  <a:srgbClr val="000000"/>
+                </a:solidFill>
+                <a:latin typeface="Times New Roman"/>
+                <a:ea typeface="Calibri"/>
+              </a:rPr>
+              <a:t>	</a:t>
+            </a:r>
+            <a:r>
+              <a:rPr lang="en-US" sz="1800" b="0" i="1" strike="noStrike" spc="-1" dirty="0" smtClean="0">
+                <a:solidFill>
+                  <a:srgbClr val="000000"/>
+                </a:solidFill>
+                <a:latin typeface="Times New Roman"/>
+                <a:ea typeface="Calibri"/>
+              </a:rPr>
+              <a:t>8</a:t>
+            </a:r>
+            <a:r>
+              <a:rPr lang="en-US" sz="1800" b="0" strike="noStrike" spc="-1" dirty="0" smtClean="0">
+                <a:solidFill>
+                  <a:srgbClr val="000000"/>
+                </a:solidFill>
+                <a:latin typeface="Times New Roman"/>
+                <a:ea typeface="Calibri"/>
+              </a:rPr>
+              <a:t> </a:t>
+            </a:r>
+            <a:r>
+              <a:rPr lang="en-US" sz="1800" b="0" strike="noStrike" spc="-1" dirty="0">
+                <a:solidFill>
+                  <a:srgbClr val="000000"/>
+                </a:solidFill>
+                <a:latin typeface="Times New Roman"/>
+                <a:ea typeface="Calibri"/>
+              </a:rPr>
+              <a:t>(10), 	2278-3075.</a:t>
+            </a:r>
+            <a:endParaRPr lang="en-US" sz="1800" b="0" strike="noStrike" spc="-1" dirty="0">
               <a:latin typeface="Arial"/>
             </a:endParaRPr>
           </a:p>
@@ -5440,42 +6184,12 @@
                 <a:spcPts val="1001"/>
               </a:spcAft>
             </a:pPr>
-            <a:r>
-              <a:rPr lang="en-US" sz="1800" b="0" strike="noStrike" spc="-1">
-                <a:solidFill>
-                  <a:srgbClr val="000000"/>
-                </a:solidFill>
-                <a:latin typeface="Times New Roman"/>
-                <a:ea typeface="Calibri"/>
-              </a:rPr>
-              <a:t>Jimoh, R., Ojulari, K., &amp; Enikuomehin, O. (2014). A Scalable Online Crime Reporting System. 	</a:t>
-            </a:r>
-            <a:r>
-              <a:rPr lang="en-US" sz="1800" b="0" i="1" strike="noStrike" spc="-1">
-                <a:solidFill>
-                  <a:srgbClr val="000000"/>
-                </a:solidFill>
-                <a:latin typeface="Times New Roman"/>
-                <a:ea typeface="Calibri"/>
-              </a:rPr>
-              <a:t>African 			      	Journal of Computing &amp; ICT , 7</a:t>
-            </a:r>
-            <a:r>
-              <a:rPr lang="en-US" sz="1800" b="0" strike="noStrike" spc="-1">
-                <a:solidFill>
-                  <a:srgbClr val="000000"/>
-                </a:solidFill>
-                <a:latin typeface="Times New Roman"/>
-                <a:ea typeface="Calibri"/>
-              </a:rPr>
-              <a:t> (1), 11-20.</a:t>
-            </a:r>
-            <a:endParaRPr lang="en-US" sz="1800" b="0" strike="noStrike" spc="-1">
-              <a:latin typeface="Arial"/>
-            </a:endParaRPr>
-          </a:p>
-          <a:p>
-            <a:pPr>
+            <a:endParaRPr lang="en-US" sz="1800" b="0" strike="noStrike" spc="-1" dirty="0">
+              <a:latin typeface="Arial"/>
+            </a:endParaRPr>
+          </a:p>
+          <a:p>
+            <a:pPr defTabSz="344488">
               <a:lnSpc>
                 <a:spcPct val="115000"/>
               </a:lnSpc>
@@ -5483,97 +6197,58 @@
                 <a:spcPts val="1001"/>
               </a:spcAft>
             </a:pPr>
-            <a:endParaRPr lang="en-US" sz="1800" b="0" strike="noStrike" spc="-1">
-              <a:latin typeface="Arial"/>
-            </a:endParaRPr>
-          </a:p>
-          <a:p>
-            <a:pPr>
-              <a:lnSpc>
-                <a:spcPct val="115000"/>
-              </a:lnSpc>
-              <a:spcAft>
-                <a:spcPts val="1001"/>
-              </a:spcAft>
-            </a:pPr>
-            <a:r>
-              <a:rPr lang="en-US" sz="1800" b="0" strike="noStrike" spc="-1">
+            <a:r>
+              <a:rPr lang="en-US" sz="1800" b="0" strike="noStrike" spc="-1" dirty="0" err="1">
                 <a:solidFill>
                   <a:srgbClr val="000000"/>
                 </a:solidFill>
                 <a:latin typeface="Times New Roman"/>
                 <a:ea typeface="Calibri"/>
               </a:rPr>
-              <a:t>Selvakani, S., Vasumathi, K., &amp; Harikaran, M. (2019). Web Based Online Crime Reporting 		System using 				    	Asp.Net. </a:t>
-            </a:r>
-            <a:r>
-              <a:rPr lang="en-US" sz="1800" b="0" i="1" strike="noStrike" spc="-1">
+              <a:t>Yugandhar</a:t>
+            </a:r>
+            <a:r>
+              <a:rPr lang="en-US" sz="1800" b="0" strike="noStrike" spc="-1" dirty="0">
                 <a:solidFill>
                   <a:srgbClr val="000000"/>
                 </a:solidFill>
                 <a:latin typeface="Times New Roman"/>
                 <a:ea typeface="Calibri"/>
               </a:rPr>
-              <a:t>International Journal of Innovative Technology and Exploring 		Engineering (IJITEE) , 8</a:t>
-            </a:r>
-            <a:r>
-              <a:rPr lang="en-US" sz="1800" b="0" strike="noStrike" spc="-1">
+              <a:t>, P., &amp; Muni, A. (2018). Online Crime Reporting System. </a:t>
+            </a:r>
+            <a:r>
+              <a:rPr lang="en-US" sz="1800" b="0" i="1" strike="noStrike" spc="-1" dirty="0">
                 <a:solidFill>
                   <a:srgbClr val="000000"/>
                 </a:solidFill>
                 <a:latin typeface="Times New Roman"/>
                 <a:ea typeface="Calibri"/>
               </a:rPr>
-              <a:t> (10), 	2278-3075.</a:t>
-            </a:r>
-            <a:endParaRPr lang="en-US" sz="1800" b="0" strike="noStrike" spc="-1">
-              <a:latin typeface="Arial"/>
-            </a:endParaRPr>
-          </a:p>
-          <a:p>
-            <a:pPr>
-              <a:lnSpc>
-                <a:spcPct val="115000"/>
-              </a:lnSpc>
-              <a:spcAft>
-                <a:spcPts val="1001"/>
-              </a:spcAft>
-            </a:pPr>
-            <a:endParaRPr lang="en-US" sz="1800" b="0" strike="noStrike" spc="-1">
-              <a:latin typeface="Arial"/>
-            </a:endParaRPr>
-          </a:p>
-          <a:p>
-            <a:pPr>
-              <a:lnSpc>
-                <a:spcPct val="115000"/>
-              </a:lnSpc>
-              <a:spcAft>
-                <a:spcPts val="1001"/>
-              </a:spcAft>
-            </a:pPr>
-            <a:r>
-              <a:rPr lang="en-US" sz="1800" b="0" strike="noStrike" spc="-1">
+              <a:t>Journal Of Innovative </a:t>
+            </a:r>
+            <a:r>
+              <a:rPr lang="en-US" sz="1800" b="0" i="1" strike="noStrike" spc="-1" dirty="0" smtClean="0">
                 <a:solidFill>
                   <a:srgbClr val="000000"/>
                 </a:solidFill>
                 <a:latin typeface="Times New Roman"/>
                 <a:ea typeface="Calibri"/>
               </a:rPr>
-              <a:t>Yugandhar, P., &amp; Muni, A. (2018). Online Crime Reporting System. </a:t>
-            </a:r>
-            <a:r>
-              <a:rPr lang="en-US" sz="1800" b="0" i="1" strike="noStrike" spc="-1">
+              <a:t>Research In 	Technology </a:t>
+            </a:r>
+            <a:r>
+              <a:rPr lang="en-US" sz="1800" b="0" i="1" strike="noStrike" spc="-1" dirty="0">
                 <a:solidFill>
                   <a:srgbClr val="000000"/>
                 </a:solidFill>
                 <a:latin typeface="Times New Roman"/>
                 <a:ea typeface="Calibri"/>
               </a:rPr>
-              <a:t>Journal Of Innovative 		Research In 					     	Technology , 4</a:t>
-            </a:r>
-            <a:r>
-              <a:rPr lang="en-US" sz="1800" b="0" strike="noStrike" spc="-1">
+              <a:t>, 4</a:t>
+            </a:r>
+            <a:r>
+              <a:rPr lang="en-US" sz="1800" b="0" strike="noStrike" spc="-1" dirty="0">
                 <a:solidFill>
                   <a:srgbClr val="000000"/>
                 </a:solidFill>
@@ -5582,7 +6257,7 @@
               </a:rPr>
               <a:t> (11), 1745-1748.</a:t>
             </a:r>
-            <a:endParaRPr lang="en-US" sz="1800" b="0" strike="noStrike" spc="-1">
+            <a:endParaRPr lang="en-US" sz="1800" b="0" strike="noStrike" spc="-1" dirty="0">
               <a:latin typeface="Arial"/>
             </a:endParaRPr>
           </a:p>
@@ -5595,8 +6270,46 @@
                 <a:spcPts val="1001"/>
               </a:spcAft>
             </a:pPr>
-            <a:endParaRPr lang="en-US" sz="1800" b="0" strike="noStrike" spc="-1">
-              <a:latin typeface="Arial"/>
+            <a:endParaRPr lang="en-US" sz="1800" b="0" strike="noStrike" spc="-1" dirty="0">
+              <a:latin typeface="Arial"/>
+            </a:endParaRPr>
+          </a:p>
+        </p:txBody>
+      </p:sp>
+      <p:sp>
+        <p:nvSpPr>
+          <p:cNvPr id="4" name="TextBox 3"/>
+          <p:cNvSpPr txBox="1"/>
+          <p:nvPr/>
+        </p:nvSpPr>
+        <p:spPr>
+          <a:xfrm>
+            <a:off x="503640" y="399831"/>
+            <a:ext cx="593766" cy="369332"/>
+          </a:xfrm>
+          <a:prstGeom prst="rect">
+            <a:avLst/>
+          </a:prstGeom>
+          <a:noFill/>
+        </p:spPr>
+        <p:txBody>
+          <a:bodyPr wrap="square" rtlCol="0">
+            <a:spAutoFit/>
+          </a:bodyPr>
+          <a:lstStyle/>
+          <a:p>
+            <a:r>
+              <a:rPr lang="en-US" b="1" dirty="0" smtClean="0">
+                <a:solidFill>
+                  <a:srgbClr val="C00000"/>
+                </a:solidFill>
+              </a:rPr>
+              <a:t>11</a:t>
+            </a:r>
+            <a:endParaRPr lang="en-US" b="1" dirty="0">
+              <a:solidFill>
+                <a:srgbClr val="C00000"/>
+              </a:solidFill>
             </a:endParaRPr>
           </a:p>
         </p:txBody>
@@ -5876,7 +6589,7 @@
         <p:spPr>
           <a:xfrm>
             <a:off x="503640" y="1179360"/>
-            <a:ext cx="9070560" cy="3287160"/>
+            <a:ext cx="9070560" cy="4228018"/>
           </a:xfrm>
           <a:prstGeom prst="rect">
             <a:avLst/>
@@ -5900,7 +6613,7 @@
         </p:style>
         <p:txBody>
           <a:bodyPr lIns="0" tIns="0" rIns="0" bIns="0">
-            <a:normAutofit fontScale="92500" lnSpcReduction="20000"/>
+            <a:normAutofit/>
           </a:bodyPr>
           <a:lstStyle/>
           <a:p>
@@ -5919,7 +6632,7 @@
               <a:buChar char=""/>
             </a:pPr>
             <a:r>
-              <a:rPr lang="en-US" sz="2400" b="0" strike="noStrike" spc="-1">
+              <a:rPr lang="en-US" sz="2400" b="0" strike="noStrike" spc="-1" dirty="0">
                 <a:solidFill>
                   <a:srgbClr val="000000"/>
                 </a:solidFill>
@@ -5928,7 +6641,7 @@
               </a:rPr>
               <a:t>INTRODUCTION</a:t>
             </a:r>
-            <a:endParaRPr lang="en-US" sz="2400" b="0" strike="noStrike" spc="-1">
+            <a:endParaRPr lang="en-US" sz="2400" b="0" strike="noStrike" spc="-1" dirty="0">
               <a:latin typeface="Arial"/>
             </a:endParaRPr>
           </a:p>
@@ -5948,7 +6661,7 @@
               <a:buChar char=""/>
             </a:pPr>
             <a:r>
-              <a:rPr lang="en-US" sz="2400" b="0" strike="noStrike" spc="-1">
+              <a:rPr lang="en-US" sz="2400" b="0" strike="noStrike" spc="-1" dirty="0">
                 <a:solidFill>
                   <a:srgbClr val="000000"/>
                 </a:solidFill>
@@ -5957,7 +6670,7 @@
               </a:rPr>
               <a:t>STATEMENT OF THE PROBLEM</a:t>
             </a:r>
-            <a:endParaRPr lang="en-US" sz="2400" b="0" strike="noStrike" spc="-1">
+            <a:endParaRPr lang="en-US" sz="2400" b="0" strike="noStrike" spc="-1" dirty="0">
               <a:latin typeface="Arial"/>
             </a:endParaRPr>
           </a:p>
@@ -5977,7 +6690,7 @@
               <a:buChar char=""/>
             </a:pPr>
             <a:r>
-              <a:rPr lang="en-US" sz="2400" b="0" strike="noStrike" spc="-1">
+              <a:rPr lang="en-US" sz="2400" b="0" strike="noStrike" spc="-1" dirty="0">
                 <a:solidFill>
                   <a:srgbClr val="000000"/>
                 </a:solidFill>
@@ -5986,7 +6699,7 @@
               </a:rPr>
               <a:t>AIM AND OBJECTIVES</a:t>
             </a:r>
-            <a:endParaRPr lang="en-US" sz="2400" b="0" strike="noStrike" spc="-1">
+            <a:endParaRPr lang="en-US" sz="2400" b="0" strike="noStrike" spc="-1" dirty="0">
               <a:latin typeface="Arial"/>
             </a:endParaRPr>
           </a:p>
@@ -6006,7 +6719,7 @@
               <a:buChar char=""/>
             </a:pPr>
             <a:r>
-              <a:rPr lang="en-US" sz="2400" b="0" strike="noStrike" spc="-1">
+              <a:rPr lang="en-US" sz="2400" b="0" strike="noStrike" spc="-1" dirty="0">
                 <a:solidFill>
                   <a:srgbClr val="000000"/>
                 </a:solidFill>
@@ -6015,7 +6728,7 @@
               </a:rPr>
               <a:t>RELATED LITERATURE</a:t>
             </a:r>
-            <a:endParaRPr lang="en-US" sz="2400" b="0" strike="noStrike" spc="-1">
+            <a:endParaRPr lang="en-US" sz="2400" b="0" strike="noStrike" spc="-1" dirty="0">
               <a:latin typeface="Arial"/>
             </a:endParaRPr>
           </a:p>
@@ -6035,7 +6748,7 @@
               <a:buChar char=""/>
             </a:pPr>
             <a:r>
-              <a:rPr lang="en-US" sz="2400" b="0" strike="noStrike" spc="-1">
+              <a:rPr lang="en-US" sz="2400" b="0" strike="noStrike" spc="-1" dirty="0">
                 <a:solidFill>
                   <a:srgbClr val="000000"/>
                 </a:solidFill>
@@ -6044,7 +6757,7 @@
               </a:rPr>
               <a:t>EXISTING SYSTEM</a:t>
             </a:r>
-            <a:endParaRPr lang="en-US" sz="2400" b="0" strike="noStrike" spc="-1">
+            <a:endParaRPr lang="en-US" sz="2400" b="0" strike="noStrike" spc="-1" dirty="0">
               <a:latin typeface="Arial"/>
             </a:endParaRPr>
           </a:p>
@@ -6064,7 +6777,7 @@
               <a:buChar char=""/>
             </a:pPr>
             <a:r>
-              <a:rPr lang="en-US" sz="2400" b="0" strike="noStrike" spc="-1">
+              <a:rPr lang="en-US" sz="2400" b="0" strike="noStrike" spc="-1" dirty="0">
                 <a:solidFill>
                   <a:srgbClr val="000000"/>
                 </a:solidFill>
@@ -6073,7 +6786,7 @@
               </a:rPr>
               <a:t>RESEARCH METHODOLOGY</a:t>
             </a:r>
-            <a:endParaRPr lang="en-US" sz="2400" b="0" strike="noStrike" spc="-1">
+            <a:endParaRPr lang="en-US" sz="2400" b="0" strike="noStrike" spc="-1" dirty="0">
               <a:latin typeface="Arial"/>
             </a:endParaRPr>
           </a:p>
@@ -6093,7 +6806,7 @@
               <a:buChar char=""/>
             </a:pPr>
             <a:r>
-              <a:rPr lang="en-US" sz="2400" b="0" strike="noStrike" spc="-1">
+              <a:rPr lang="en-US" sz="2400" b="0" strike="noStrike" spc="-1" dirty="0">
                 <a:solidFill>
                   <a:srgbClr val="000000"/>
                 </a:solidFill>
@@ -6102,7 +6815,7 @@
               </a:rPr>
               <a:t>PROPOSED ARCHITECTURE</a:t>
             </a:r>
-            <a:endParaRPr lang="en-US" sz="2400" b="0" strike="noStrike" spc="-1">
+            <a:endParaRPr lang="en-US" sz="2400" b="0" strike="noStrike" spc="-1" dirty="0">
               <a:latin typeface="Arial"/>
             </a:endParaRPr>
           </a:p>
@@ -6122,7 +6835,7 @@
               <a:buChar char=""/>
             </a:pPr>
             <a:r>
-              <a:rPr lang="en-US" sz="2400" b="0" strike="noStrike" spc="-1">
+              <a:rPr lang="en-US" sz="2400" b="0" strike="noStrike" spc="-1" dirty="0">
                 <a:solidFill>
                   <a:srgbClr val="000000"/>
                 </a:solidFill>
@@ -6131,8 +6844,46 @@
               </a:rPr>
               <a:t>REFERENCES</a:t>
             </a:r>
-            <a:endParaRPr lang="en-US" sz="2400" b="0" strike="noStrike" spc="-1">
-              <a:latin typeface="Arial"/>
+            <a:endParaRPr lang="en-US" sz="2400" b="0" strike="noStrike" spc="-1" dirty="0">
+              <a:latin typeface="Arial"/>
+            </a:endParaRPr>
+          </a:p>
+        </p:txBody>
+      </p:sp>
+      <p:sp>
+        <p:nvSpPr>
+          <p:cNvPr id="2" name="TextBox 1"/>
+          <p:cNvSpPr txBox="1"/>
+          <p:nvPr/>
+        </p:nvSpPr>
+        <p:spPr>
+          <a:xfrm>
+            <a:off x="391885" y="328888"/>
+            <a:ext cx="593766" cy="369332"/>
+          </a:xfrm>
+          <a:prstGeom prst="rect">
+            <a:avLst/>
+          </a:prstGeom>
+          <a:noFill/>
+        </p:spPr>
+        <p:txBody>
+          <a:bodyPr wrap="square" rtlCol="0">
+            <a:spAutoFit/>
+          </a:bodyPr>
+          <a:lstStyle/>
+          <a:p>
+            <a:r>
+              <a:rPr lang="en-US" b="1" dirty="0" smtClean="0">
+                <a:solidFill>
+                  <a:srgbClr val="C00000"/>
+                </a:solidFill>
+              </a:rPr>
+              <a:t>1</a:t>
+            </a:r>
+            <a:endParaRPr lang="en-US" b="1" dirty="0">
+              <a:solidFill>
+                <a:srgbClr val="C00000"/>
+              </a:solidFill>
             </a:endParaRPr>
           </a:p>
         </p:txBody>
@@ -6370,6 +7121,44 @@
           </a:p>
         </p:txBody>
       </p:sp>
+      <p:sp>
+        <p:nvSpPr>
+          <p:cNvPr id="5" name="TextBox 4"/>
+          <p:cNvSpPr txBox="1"/>
+          <p:nvPr/>
+        </p:nvSpPr>
+        <p:spPr>
+          <a:xfrm>
+            <a:off x="503640" y="399831"/>
+            <a:ext cx="593766" cy="369332"/>
+          </a:xfrm>
+          <a:prstGeom prst="rect">
+            <a:avLst/>
+          </a:prstGeom>
+          <a:noFill/>
+        </p:spPr>
+        <p:txBody>
+          <a:bodyPr wrap="square" rtlCol="0">
+            <a:spAutoFit/>
+          </a:bodyPr>
+          <a:lstStyle/>
+          <a:p>
+            <a:r>
+              <a:rPr lang="en-US" b="1" dirty="0" smtClean="0">
+                <a:solidFill>
+                  <a:srgbClr val="C00000"/>
+                </a:solidFill>
+              </a:rPr>
+              <a:t>2</a:t>
+            </a:r>
+            <a:endParaRPr lang="en-US" b="1" dirty="0">
+              <a:solidFill>
+                <a:srgbClr val="C00000"/>
+              </a:solidFill>
+            </a:endParaRPr>
+          </a:p>
+        </p:txBody>
+      </p:sp>
     </p:spTree>
   </p:cSld>
   <p:clrMapOvr>
@@ -6530,7 +7319,7 @@
               <a:buChar char=""/>
             </a:pPr>
             <a:r>
-              <a:rPr lang="en-US" sz="2580" b="0" strike="noStrike" spc="-1">
+              <a:rPr lang="en-US" sz="2580" b="0" strike="noStrike" spc="-1" dirty="0">
                 <a:solidFill>
                   <a:srgbClr val="000000"/>
                 </a:solidFill>
@@ -6539,7 +7328,7 @@
               </a:rPr>
               <a:t>Members of the society have several responsibilities to the government of which such include reporting any incidence of breakdown of law and order to the appropriate civil and security agency. </a:t>
             </a:r>
-            <a:endParaRPr lang="en-US" sz="2580" b="0" strike="noStrike" spc="-1">
+            <a:endParaRPr lang="en-US" sz="2580" b="0" strike="noStrike" spc="-1" dirty="0">
               <a:latin typeface="Arial"/>
             </a:endParaRPr>
           </a:p>
@@ -6559,7 +7348,7 @@
               <a:buChar char=""/>
             </a:pPr>
             <a:r>
-              <a:rPr lang="en-US" sz="2580" b="0" strike="noStrike" spc="-1">
+              <a:rPr lang="en-US" sz="2580" b="0" strike="noStrike" spc="-1" dirty="0">
                 <a:solidFill>
                   <a:srgbClr val="000000"/>
                 </a:solidFill>
@@ -6568,8 +7357,46 @@
               </a:rPr>
               <a:t>Until lately, the process of reporting a crime case is tedious as it is manually done. However, the introduction of technology has set a new front of opportunities of leveraging on the assorted benefits of information technology to crime reporting. </a:t>
             </a:r>
-            <a:endParaRPr lang="en-US" sz="2580" b="0" strike="noStrike" spc="-1">
-              <a:latin typeface="Arial"/>
+            <a:endParaRPr lang="en-US" sz="2580" b="0" strike="noStrike" spc="-1" dirty="0">
+              <a:latin typeface="Arial"/>
+            </a:endParaRPr>
+          </a:p>
+        </p:txBody>
+      </p:sp>
+      <p:sp>
+        <p:nvSpPr>
+          <p:cNvPr id="4" name="TextBox 3"/>
+          <p:cNvSpPr txBox="1"/>
+          <p:nvPr/>
+        </p:nvSpPr>
+        <p:spPr>
+          <a:xfrm>
+            <a:off x="503640" y="399831"/>
+            <a:ext cx="593766" cy="369332"/>
+          </a:xfrm>
+          <a:prstGeom prst="rect">
+            <a:avLst/>
+          </a:prstGeom>
+          <a:noFill/>
+        </p:spPr>
+        <p:txBody>
+          <a:bodyPr wrap="square" rtlCol="0">
+            <a:spAutoFit/>
+          </a:bodyPr>
+          <a:lstStyle/>
+          <a:p>
+            <a:r>
+              <a:rPr lang="en-US" b="1" dirty="0" smtClean="0">
+                <a:solidFill>
+                  <a:srgbClr val="C00000"/>
+                </a:solidFill>
+              </a:rPr>
+              <a:t>3</a:t>
+            </a:r>
+            <a:endParaRPr lang="en-US" b="1" dirty="0">
+              <a:solidFill>
+                <a:srgbClr val="C00000"/>
+              </a:solidFill>
             </a:endParaRPr>
           </a:p>
         </p:txBody>
@@ -6667,7 +7494,7 @@
               </a:lnSpc>
             </a:pPr>
             <a:r>
-              <a:rPr lang="en-US" sz="3100" b="1" strike="noStrike" spc="-1">
+              <a:rPr lang="en-US" sz="3100" b="1" strike="noStrike" spc="-1" dirty="0">
                 <a:solidFill>
                   <a:srgbClr val="000000"/>
                 </a:solidFill>
@@ -6676,7 +7503,7 @@
               </a:rPr>
               <a:t>STATEMENT OF THE PROBLEM</a:t>
             </a:r>
-            <a:endParaRPr lang="en-US" sz="3100" b="0" strike="noStrike" spc="-1">
+            <a:endParaRPr lang="en-US" sz="3100" b="0" strike="noStrike" spc="-1" dirty="0">
               <a:latin typeface="Arial"/>
             </a:endParaRPr>
           </a:p>
@@ -6690,8 +7517,8 @@
         </p:nvSpPr>
         <p:spPr>
           <a:xfrm>
-            <a:off x="503640" y="1044720"/>
-            <a:ext cx="9070560" cy="4166280"/>
+            <a:off x="406400" y="1044720"/>
+            <a:ext cx="9290756" cy="4166280"/>
           </a:xfrm>
           <a:prstGeom prst="rect">
             <a:avLst/>
@@ -6715,7 +7542,7 @@
         </p:style>
         <p:txBody>
           <a:bodyPr lIns="0" tIns="0" rIns="0" bIns="0">
-            <a:normAutofit fontScale="62500" lnSpcReduction="20000"/>
+            <a:noAutofit/>
           </a:bodyPr>
           <a:lstStyle/>
           <a:p>
@@ -6734,17 +7561,19 @@
               <a:buChar char=""/>
             </a:pPr>
             <a:r>
-              <a:rPr lang="en-US" sz="2500" b="0" strike="noStrike" spc="-1">
+              <a:rPr lang="en-US" sz="1700" b="0" strike="noStrike" spc="-1" dirty="0">
                 <a:solidFill>
                   <a:srgbClr val="000000"/>
                 </a:solidFill>
-                <a:latin typeface="Times New Roman"/>
+                <a:latin typeface="Times New Roman" panose="02020603050405020304" pitchFamily="18" charset="0"/>
                 <a:ea typeface="Calibri"/>
+                <a:cs typeface="Times New Roman" panose="02020603050405020304" pitchFamily="18" charset="0"/>
               </a:rPr>
               <a:t>Crime and illegal human activities have always been part of the society and are being committed in various locality including tertiary institutions. </a:t>
             </a:r>
-            <a:endParaRPr lang="en-US" sz="2500" b="0" strike="noStrike" spc="-1">
-              <a:latin typeface="Arial"/>
+            <a:endParaRPr lang="en-US" sz="1700" b="0" strike="noStrike" spc="-1" dirty="0">
+              <a:latin typeface="Times New Roman" panose="02020603050405020304" pitchFamily="18" charset="0"/>
+              <a:cs typeface="Times New Roman" panose="02020603050405020304" pitchFamily="18" charset="0"/>
             </a:endParaRPr>
           </a:p>
           <a:p>
@@ -6763,17 +7592,19 @@
               <a:buChar char=""/>
             </a:pPr>
             <a:r>
-              <a:rPr lang="en-US" sz="2500" b="0" strike="noStrike" spc="-1">
+              <a:rPr lang="en-US" sz="1700" b="0" strike="noStrike" spc="-1" dirty="0">
                 <a:solidFill>
                   <a:srgbClr val="000000"/>
                 </a:solidFill>
-                <a:latin typeface="Times New Roman"/>
+                <a:latin typeface="Times New Roman" panose="02020603050405020304" pitchFamily="18" charset="0"/>
                 <a:ea typeface="Calibri"/>
+                <a:cs typeface="Times New Roman" panose="02020603050405020304" pitchFamily="18" charset="0"/>
               </a:rPr>
               <a:t>These crimes are being committed every day and which most of these crimes committed were unreported to the authorities because of the fear of getting involved, costs and time incurred in traveling to police stations that are situated far from their homes and workplaces, lengthen processes involve in laying crime incident statement at the station and also at times language barrier.</a:t>
             </a:r>
-            <a:endParaRPr lang="en-US" sz="2500" b="0" strike="noStrike" spc="-1">
-              <a:latin typeface="Arial"/>
+            <a:endParaRPr lang="en-US" sz="1700" b="0" strike="noStrike" spc="-1" dirty="0">
+              <a:latin typeface="Times New Roman" panose="02020603050405020304" pitchFamily="18" charset="0"/>
+              <a:cs typeface="Times New Roman" panose="02020603050405020304" pitchFamily="18" charset="0"/>
             </a:endParaRPr>
           </a:p>
           <a:p>
@@ -6792,17 +7623,19 @@
               <a:buChar char=""/>
             </a:pPr>
             <a:r>
-              <a:rPr lang="en-US" sz="2500" b="0" strike="noStrike" spc="-1">
+              <a:rPr lang="en-US" sz="1700" b="0" strike="noStrike" spc="-1" dirty="0">
                 <a:solidFill>
                   <a:srgbClr val="000000"/>
                 </a:solidFill>
-                <a:latin typeface="Times New Roman"/>
+                <a:latin typeface="Times New Roman" panose="02020603050405020304" pitchFamily="18" charset="0"/>
                 <a:ea typeface="Calibri"/>
+                <a:cs typeface="Times New Roman" panose="02020603050405020304" pitchFamily="18" charset="0"/>
               </a:rPr>
               <a:t>However, considering school environment, many crime incidents are not being reported to the school authority because of fear of intimidation, time, and or who to report to. </a:t>
             </a:r>
-            <a:endParaRPr lang="en-US" sz="2500" b="0" strike="noStrike" spc="-1">
-              <a:latin typeface="Arial"/>
+            <a:endParaRPr lang="en-US" sz="1700" b="0" strike="noStrike" spc="-1" dirty="0">
+              <a:latin typeface="Times New Roman" panose="02020603050405020304" pitchFamily="18" charset="0"/>
+              <a:cs typeface="Times New Roman" panose="02020603050405020304" pitchFamily="18" charset="0"/>
             </a:endParaRPr>
           </a:p>
           <a:p>
@@ -6821,17 +7654,57 @@
               <a:buChar char=""/>
             </a:pPr>
             <a:r>
-              <a:rPr lang="en-US" sz="2500" b="0" strike="noStrike" spc="-1">
+              <a:rPr lang="en-US" sz="1700" b="0" strike="noStrike" spc="-1" dirty="0">
                 <a:solidFill>
                   <a:srgbClr val="000000"/>
                 </a:solidFill>
-                <a:latin typeface="Times New Roman"/>
+                <a:latin typeface="Times New Roman" panose="02020603050405020304" pitchFamily="18" charset="0"/>
                 <a:ea typeface="Calibri"/>
+                <a:cs typeface="Times New Roman" panose="02020603050405020304" pitchFamily="18" charset="0"/>
               </a:rPr>
               <a:t>It is essential to have well organized and widely available method for reporting criminal activities to the relevant authorities and support for quick response units. </a:t>
             </a:r>
-            <a:endParaRPr lang="en-US" sz="2500" b="0" strike="noStrike" spc="-1">
-              <a:latin typeface="Arial"/>
+            <a:endParaRPr lang="en-US" sz="1700" b="0" strike="noStrike" spc="-1" dirty="0">
+              <a:latin typeface="Times New Roman" panose="02020603050405020304" pitchFamily="18" charset="0"/>
+              <a:cs typeface="Times New Roman" panose="02020603050405020304" pitchFamily="18" charset="0"/>
+            </a:endParaRPr>
+          </a:p>
+        </p:txBody>
+      </p:sp>
+      <p:sp>
+        <p:nvSpPr>
+          <p:cNvPr id="4" name="TextBox 3"/>
+          <p:cNvSpPr txBox="1"/>
+          <p:nvPr/>
+        </p:nvSpPr>
+        <p:spPr>
+          <a:xfrm>
+            <a:off x="503640" y="399831"/>
+            <a:ext cx="593766" cy="369332"/>
+          </a:xfrm>
+          <a:prstGeom prst="rect">
+            <a:avLst/>
+          </a:prstGeom>
+          <a:noFill/>
+        </p:spPr>
+        <p:txBody>
+          <a:bodyPr wrap="square" rtlCol="0">
+            <a:spAutoFit/>
+          </a:bodyPr>
+          <a:lstStyle/>
+          <a:p>
+            <a:r>
+              <a:rPr lang="en-US" b="1" dirty="0" smtClean="0">
+                <a:solidFill>
+                  <a:srgbClr val="C00000"/>
+                </a:solidFill>
+              </a:rPr>
+              <a:t>4</a:t>
+            </a:r>
+            <a:endParaRPr lang="en-US" b="1" dirty="0">
+              <a:solidFill>
+                <a:srgbClr val="C00000"/>
+              </a:solidFill>
             </a:endParaRPr>
           </a:p>
         </p:txBody>
@@ -6977,7 +7850,7 @@
         </p:style>
         <p:txBody>
           <a:bodyPr lIns="0" tIns="0" rIns="0" bIns="0">
-            <a:normAutofit fontScale="77500" lnSpcReduction="20000"/>
+            <a:normAutofit fontScale="92500" lnSpcReduction="20000"/>
           </a:bodyPr>
           <a:lstStyle/>
           <a:p>
@@ -6990,17 +7863,63 @@
               </a:spcAft>
             </a:pPr>
             <a:r>
-              <a:rPr lang="en-US" sz="2500" b="0" strike="noStrike" spc="-1">
+              <a:rPr lang="en-US" sz="2200" b="0" strike="noStrike" spc="-1" dirty="0">
                 <a:solidFill>
                   <a:srgbClr val="000000"/>
                 </a:solidFill>
-                <a:latin typeface="Times New Roman"/>
+                <a:latin typeface="Times New Roman" panose="02020603050405020304" pitchFamily="18" charset="0"/>
                 <a:ea typeface="Calibri"/>
-              </a:rPr>
-              <a:t>The aim of this research work is to develop an Online Crime Reporting Management System that will be easily accessible to people to report crime and any illegal actives within one’s locality.</a:t>
-            </a:r>
-            <a:endParaRPr lang="en-US" sz="2500" b="0" strike="noStrike" spc="-1">
-              <a:latin typeface="Arial"/>
+                <a:cs typeface="Times New Roman" panose="02020603050405020304" pitchFamily="18" charset="0"/>
+              </a:rPr>
+              <a:t>The aim of this research work is to develop an Online Crime </a:t>
+            </a:r>
+            <a:r>
+              <a:rPr lang="en-US" sz="2200" b="0" strike="noStrike" spc="-1" dirty="0" smtClean="0">
+                <a:solidFill>
+                  <a:srgbClr val="000000"/>
+                </a:solidFill>
+                <a:latin typeface="Times New Roman" panose="02020603050405020304" pitchFamily="18" charset="0"/>
+                <a:ea typeface="Calibri"/>
+                <a:cs typeface="Times New Roman" panose="02020603050405020304" pitchFamily="18" charset="0"/>
+              </a:rPr>
+              <a:t>Reporting </a:t>
+            </a:r>
+            <a:r>
+              <a:rPr lang="en-US" sz="2200" b="0" strike="noStrike" spc="-1" dirty="0">
+                <a:solidFill>
+                  <a:srgbClr val="000000"/>
+                </a:solidFill>
+                <a:latin typeface="Times New Roman" panose="02020603050405020304" pitchFamily="18" charset="0"/>
+                <a:ea typeface="Calibri"/>
+                <a:cs typeface="Times New Roman" panose="02020603050405020304" pitchFamily="18" charset="0"/>
+              </a:rPr>
+              <a:t>System that will be easily accessible to people to report crime and any illegal </a:t>
+            </a:r>
+            <a:r>
+              <a:rPr lang="en-US" sz="2200" b="0" strike="noStrike" spc="-1" dirty="0" smtClean="0">
+                <a:solidFill>
+                  <a:srgbClr val="000000"/>
+                </a:solidFill>
+                <a:latin typeface="Times New Roman" panose="02020603050405020304" pitchFamily="18" charset="0"/>
+                <a:ea typeface="Calibri"/>
+                <a:cs typeface="Times New Roman" panose="02020603050405020304" pitchFamily="18" charset="0"/>
+              </a:rPr>
+              <a:t>activities </a:t>
+            </a:r>
+            <a:r>
+              <a:rPr lang="en-US" sz="2200" b="0" strike="noStrike" spc="-1" dirty="0">
+                <a:solidFill>
+                  <a:srgbClr val="000000"/>
+                </a:solidFill>
+                <a:latin typeface="Times New Roman" panose="02020603050405020304" pitchFamily="18" charset="0"/>
+                <a:ea typeface="Calibri"/>
+                <a:cs typeface="Times New Roman" panose="02020603050405020304" pitchFamily="18" charset="0"/>
+              </a:rPr>
+              <a:t>within one’s locality.</a:t>
+            </a:r>
+            <a:endParaRPr lang="en-US" sz="2200" b="0" strike="noStrike" spc="-1" dirty="0">
+              <a:latin typeface="Times New Roman" panose="02020603050405020304" pitchFamily="18" charset="0"/>
+              <a:cs typeface="Times New Roman" panose="02020603050405020304" pitchFamily="18" charset="0"/>
             </a:endParaRPr>
           </a:p>
           <a:p>
@@ -7013,17 +7932,19 @@
               </a:spcAft>
             </a:pPr>
             <a:r>
-              <a:rPr lang="en-US" sz="2500" b="0" strike="noStrike" spc="-1">
+              <a:rPr lang="en-US" sz="2200" b="0" strike="noStrike" spc="-1" dirty="0">
                 <a:solidFill>
                   <a:srgbClr val="000000"/>
                 </a:solidFill>
-                <a:latin typeface="Times New Roman"/>
+                <a:latin typeface="Times New Roman" panose="02020603050405020304" pitchFamily="18" charset="0"/>
                 <a:ea typeface="Calibri"/>
+                <a:cs typeface="Times New Roman" panose="02020603050405020304" pitchFamily="18" charset="0"/>
               </a:rPr>
               <a:t>The objectives are as follows:</a:t>
             </a:r>
-            <a:endParaRPr lang="en-US" sz="2500" b="0" strike="noStrike" spc="-1">
-              <a:latin typeface="Arial"/>
+            <a:endParaRPr lang="en-US" sz="2200" b="0" strike="noStrike" spc="-1" dirty="0">
+              <a:latin typeface="Times New Roman" panose="02020603050405020304" pitchFamily="18" charset="0"/>
+              <a:cs typeface="Times New Roman" panose="02020603050405020304" pitchFamily="18" charset="0"/>
             </a:endParaRPr>
           </a:p>
           <a:p>
@@ -7041,17 +7962,19 @@
               <a:buAutoNum type="alphaLcParenR"/>
             </a:pPr>
             <a:r>
-              <a:rPr lang="en-US" sz="2500" b="0" strike="noStrike" spc="-1">
+              <a:rPr lang="en-US" sz="2200" b="0" strike="noStrike" spc="-1" dirty="0">
                 <a:solidFill>
                   <a:srgbClr val="000000"/>
                 </a:solidFill>
-                <a:latin typeface="Times New Roman"/>
+                <a:latin typeface="Times New Roman" panose="02020603050405020304" pitchFamily="18" charset="0"/>
                 <a:ea typeface="Calibri"/>
+                <a:cs typeface="Times New Roman" panose="02020603050405020304" pitchFamily="18" charset="0"/>
               </a:rPr>
               <a:t>To design a system that is easily accessible by the people for making crime report. </a:t>
             </a:r>
-            <a:endParaRPr lang="en-US" sz="2500" b="0" strike="noStrike" spc="-1">
-              <a:latin typeface="Arial"/>
+            <a:endParaRPr lang="en-US" sz="2200" b="0" strike="noStrike" spc="-1" dirty="0">
+              <a:latin typeface="Times New Roman" panose="02020603050405020304" pitchFamily="18" charset="0"/>
+              <a:cs typeface="Times New Roman" panose="02020603050405020304" pitchFamily="18" charset="0"/>
             </a:endParaRPr>
           </a:p>
           <a:p>
@@ -7069,21 +7992,30 @@
               <a:buAutoNum type="alphaLcParenR"/>
             </a:pPr>
             <a:r>
-              <a:rPr lang="en-US" sz="2500" b="0" strike="noStrike" spc="-1">
+              <a:rPr lang="en-US" sz="2200" b="0" strike="noStrike" spc="-1" dirty="0">
                 <a:solidFill>
                   <a:srgbClr val="000000"/>
                 </a:solidFill>
-                <a:latin typeface="Times New Roman"/>
+                <a:latin typeface="Times New Roman" panose="02020603050405020304" pitchFamily="18" charset="0"/>
                 <a:ea typeface="Calibri"/>
-              </a:rPr>
-              <a:t>To design a database for proper safekeeping of data (crime record)</a:t>
-            </a:r>
-            <a:endParaRPr lang="en-US" sz="2500" b="0" strike="noStrike" spc="-1">
-              <a:latin typeface="Arial"/>
-            </a:endParaRPr>
-          </a:p>
-          <a:p>
-            <a:pPr marL="457200" indent="-227520" algn="just">
+                <a:cs typeface="Times New Roman" panose="02020603050405020304" pitchFamily="18" charset="0"/>
+              </a:rPr>
+              <a:t>To design a database for proper safekeeping of data (crime record</a:t>
+            </a:r>
+            <a:r>
+              <a:rPr lang="en-US" sz="2200" b="0" strike="noStrike" spc="-1" dirty="0" smtClean="0">
+                <a:solidFill>
+                  <a:srgbClr val="000000"/>
+                </a:solidFill>
+                <a:latin typeface="Times New Roman" panose="02020603050405020304" pitchFamily="18" charset="0"/>
+                <a:ea typeface="Calibri"/>
+                <a:cs typeface="Times New Roman" panose="02020603050405020304" pitchFamily="18" charset="0"/>
+              </a:rPr>
+              <a:t>)</a:t>
+            </a:r>
+          </a:p>
+          <a:p>
+            <a:pPr marL="457200" lvl="0" indent="-227520" algn="just">
               <a:lnSpc>
                 <a:spcPct val="150000"/>
               </a:lnSpc>
@@ -7097,17 +8029,73 @@
               <a:buAutoNum type="alphaLcParenR"/>
             </a:pPr>
             <a:r>
-              <a:rPr lang="en-US" sz="2500" b="0" strike="noStrike" spc="-1">
-                <a:solidFill>
-                  <a:srgbClr val="000000"/>
-                </a:solidFill>
-                <a:latin typeface="Times New Roman"/>
-                <a:ea typeface="Calibri"/>
-              </a:rPr>
-              <a:t>To develop a prototype system using PHP programming language and MySQL as database.</a:t>
-            </a:r>
-            <a:endParaRPr lang="en-US" sz="2500" b="0" strike="noStrike" spc="-1">
-              <a:latin typeface="Arial"/>
+              <a:rPr lang="en-US" sz="2200" dirty="0" smtClean="0">
+                <a:latin typeface="Times New Roman" panose="02020603050405020304" pitchFamily="18" charset="0"/>
+                <a:cs typeface="Times New Roman" panose="02020603050405020304" pitchFamily="18" charset="0"/>
+              </a:rPr>
+              <a:t>To develop </a:t>
+            </a:r>
+            <a:r>
+              <a:rPr lang="en-US" sz="2200" dirty="0">
+                <a:latin typeface="Times New Roman" panose="02020603050405020304" pitchFamily="18" charset="0"/>
+                <a:cs typeface="Times New Roman" panose="02020603050405020304" pitchFamily="18" charset="0"/>
+              </a:rPr>
+              <a:t>a prototype system using PHP, JavaScript, Java as programming languages, and MySQL for database, and Visual Studio Code IDE.</a:t>
+            </a:r>
+          </a:p>
+          <a:p>
+            <a:pPr marL="229680" algn="just">
+              <a:lnSpc>
+                <a:spcPct val="150000"/>
+              </a:lnSpc>
+              <a:spcAft>
+                <a:spcPts val="1766"/>
+              </a:spcAft>
+              <a:buClr>
+                <a:srgbClr val="000000"/>
+              </a:buClr>
+            </a:pPr>
+            <a:endParaRPr lang="en-US" b="0" strike="noStrike" spc="-1" dirty="0">
+              <a:latin typeface="Times New Roman" panose="02020603050405020304" pitchFamily="18" charset="0"/>
+              <a:cs typeface="Times New Roman" panose="02020603050405020304" pitchFamily="18" charset="0"/>
+            </a:endParaRPr>
+          </a:p>
+        </p:txBody>
+      </p:sp>
+      <p:sp>
+        <p:nvSpPr>
+          <p:cNvPr id="4" name="TextBox 3"/>
+          <p:cNvSpPr txBox="1"/>
+          <p:nvPr/>
+        </p:nvSpPr>
+        <p:spPr>
+          <a:xfrm>
+            <a:off x="503640" y="399831"/>
+            <a:ext cx="593766" cy="369332"/>
+          </a:xfrm>
+          <a:prstGeom prst="rect">
+            <a:avLst/>
+          </a:prstGeom>
+          <a:noFill/>
+        </p:spPr>
+        <p:txBody>
+          <a:bodyPr wrap="square" rtlCol="0">
+            <a:spAutoFit/>
+          </a:bodyPr>
+          <a:lstStyle/>
+          <a:p>
+            <a:r>
+              <a:rPr lang="en-US" b="1" dirty="0" smtClean="0">
+                <a:solidFill>
+                  <a:srgbClr val="C00000"/>
+                </a:solidFill>
+              </a:rPr>
+              <a:t>5</a:t>
+            </a:r>
+            <a:endParaRPr lang="en-US" b="1" dirty="0">
+              <a:solidFill>
+                <a:srgbClr val="C00000"/>
+              </a:solidFill>
             </a:endParaRPr>
           </a:p>
         </p:txBody>
@@ -7172,7 +8160,7 @@
         </p:nvSpPr>
         <p:spPr>
           <a:xfrm>
-            <a:off x="503640" y="225360"/>
+            <a:off x="390751" y="0"/>
             <a:ext cx="9070560" cy="945720"/>
           </a:xfrm>
           <a:prstGeom prst="rect">
@@ -7205,7 +8193,7 @@
               </a:lnSpc>
             </a:pPr>
             <a:r>
-              <a:rPr lang="en-US" sz="3100" b="1" strike="noStrike" spc="-1">
+              <a:rPr lang="en-US" sz="3100" b="1" strike="noStrike" spc="-1" dirty="0">
                 <a:solidFill>
                   <a:srgbClr val="000000"/>
                 </a:solidFill>
@@ -7214,7 +8202,7 @@
               </a:rPr>
               <a:t>RELATED LITERATURE</a:t>
             </a:r>
-            <a:endParaRPr lang="en-US" sz="3100" b="0" strike="noStrike" spc="-1">
+            <a:endParaRPr lang="en-US" sz="3100" b="0" strike="noStrike" spc="-1" dirty="0">
               <a:latin typeface="Arial"/>
             </a:endParaRPr>
           </a:p>
@@ -7224,32 +8212,40 @@
         <p:nvGraphicFramePr>
           <p:cNvPr id="90" name="Table 2"/>
           <p:cNvGraphicFramePr/>
-          <p:nvPr/>
+          <p:nvPr>
+            <p:extLst>
+              <p:ext uri="{D42A27DB-BD31-4B8C-83A1-F6EECF244321}">
+                <p14:modId xmlns:p14="http://schemas.microsoft.com/office/powerpoint/2010/main" val="4258678751"/>
+              </p:ext>
+            </p:extLst>
+          </p:nvPr>
         </p:nvGraphicFramePr>
         <p:xfrm>
-          <a:off x="503640" y="1044720"/>
-          <a:ext cx="9189000" cy="4823460"/>
+          <a:off x="390751" y="734201"/>
+          <a:ext cx="8979027" cy="4559937"/>
         </p:xfrm>
         <a:graphic>
           <a:graphicData uri="http://schemas.openxmlformats.org/drawingml/2006/table">
             <a:tbl>
-              <a:tblPr/>
+              <a:tblPr>
+                <a:tableStyleId>{5940675A-B579-460E-94D1-54222C63F5DA}</a:tableStyleId>
+              </a:tblPr>
               <a:tblGrid>
-                <a:gridCol w="2341800">
+                <a:gridCol w="2115382">
                   <a:extLst>
                     <a:ext uri="{9D8B030D-6E8A-4147-A177-3AD203B41FA5}">
                       <a16:colId xmlns:a16="http://schemas.microsoft.com/office/drawing/2014/main" val="20000"/>
                     </a:ext>
                   </a:extLst>
                 </a:gridCol>
-                <a:gridCol w="4181040">
+                <a:gridCol w="4334934">
                   <a:extLst>
                     <a:ext uri="{9D8B030D-6E8A-4147-A177-3AD203B41FA5}">
                       <a16:colId xmlns:a16="http://schemas.microsoft.com/office/drawing/2014/main" val="20001"/>
                     </a:ext>
                   </a:extLst>
                 </a:gridCol>
-                <a:gridCol w="2666160">
+                <a:gridCol w="2528711">
                   <a:extLst>
                     <a:ext uri="{9D8B030D-6E8A-4147-A177-3AD203B41FA5}">
                       <a16:colId xmlns:a16="http://schemas.microsoft.com/office/drawing/2014/main" val="20002"/>
@@ -7257,7 +8253,7 @@
                   </a:extLst>
                 </a:gridCol>
               </a:tblGrid>
-              <a:tr h="347760">
+              <a:tr h="343236">
                 <a:tc>
                   <a:txBody>
                     <a:bodyPr/>
@@ -7269,41 +8265,15 @@
                         </a:lnSpc>
                       </a:pPr>
                       <a:r>
-                        <a:rPr lang="en-US" sz="1800" b="1" strike="noStrike" spc="-1">
-                          <a:latin typeface="Arial"/>
-                        </a:rPr>
+                        <a:rPr lang="en-US" sz="1800" b="1" strike="noStrike" spc="-1" dirty="0"/>
                         <a:t>AUTHOR/YEAR</a:t>
                       </a:r>
-                      <a:endParaRPr lang="en-US" sz="1800" b="0" strike="noStrike" spc="-1">
+                      <a:endParaRPr lang="en-US" sz="1800" b="1" strike="noStrike" spc="-1" dirty="0">
                         <a:latin typeface="Arial"/>
                       </a:endParaRPr>
                     </a:p>
                   </a:txBody>
-                  <a:tcPr marL="90000" marR="90000">
-                    <a:lnL w="720">
-                      <a:solidFill>
-                        <a:srgbClr val="FFFFFF"/>
-                      </a:solidFill>
-                    </a:lnL>
-                    <a:lnR w="720">
-                      <a:solidFill>
-                        <a:srgbClr val="FFFFFF"/>
-                      </a:solidFill>
-                    </a:lnR>
-                    <a:lnT w="720">
-                      <a:solidFill>
-                        <a:srgbClr val="FFFFFF"/>
-                      </a:solidFill>
-                    </a:lnT>
-                    <a:lnB w="720">
-                      <a:solidFill>
-                        <a:srgbClr val="FFFFFF"/>
-                      </a:solidFill>
-                    </a:lnB>
-                    <a:solidFill>
-                      <a:srgbClr val="B3B3B3"/>
-                    </a:solidFill>
-                  </a:tcPr>
+                  <a:tcPr marL="90000" marR="90000"/>
                 </a:tc>
                 <a:tc>
                   <a:txBody>
@@ -7316,41 +8286,15 @@
                         </a:lnSpc>
                       </a:pPr>
                       <a:r>
-                        <a:rPr lang="en-US" sz="1800" b="1" strike="noStrike" spc="-1">
-                          <a:latin typeface="Times New Roman"/>
-                        </a:rPr>
+                        <a:rPr lang="en-US" sz="1800" b="1" strike="noStrike" spc="-1" dirty="0"/>
                         <a:t>WHAT THEY DID</a:t>
                       </a:r>
-                      <a:endParaRPr lang="en-US" sz="1800" b="0" strike="noStrike" spc="-1">
+                      <a:endParaRPr lang="en-US" sz="1800" b="1" strike="noStrike" spc="-1" dirty="0">
                         <a:latin typeface="Arial"/>
                       </a:endParaRPr>
                     </a:p>
                   </a:txBody>
-                  <a:tcPr marL="90000" marR="90000">
-                    <a:lnL w="720">
-                      <a:solidFill>
-                        <a:srgbClr val="FFFFFF"/>
-                      </a:solidFill>
-                    </a:lnL>
-                    <a:lnR w="720">
-                      <a:solidFill>
-                        <a:srgbClr val="FFFFFF"/>
-                      </a:solidFill>
-                    </a:lnR>
-                    <a:lnT w="720">
-                      <a:solidFill>
-                        <a:srgbClr val="FFFFFF"/>
-                      </a:solidFill>
-                    </a:lnT>
-                    <a:lnB w="720">
-                      <a:solidFill>
-                        <a:srgbClr val="FFFFFF"/>
-                      </a:solidFill>
-                    </a:lnB>
-                    <a:solidFill>
-                      <a:srgbClr val="B3B3B3"/>
-                    </a:solidFill>
-                  </a:tcPr>
+                  <a:tcPr marL="90000" marR="90000"/>
                 </a:tc>
                 <a:tc>
                   <a:txBody>
@@ -7363,41 +8307,15 @@
                         </a:lnSpc>
                       </a:pPr>
                       <a:r>
-                        <a:rPr lang="en-US" sz="1800" b="1" strike="noStrike" spc="-1">
-                          <a:latin typeface="Arial"/>
-                        </a:rPr>
+                        <a:rPr lang="en-US" sz="1800" b="1" strike="noStrike" spc="-1" dirty="0"/>
                         <a:t>LIMITATIONS</a:t>
                       </a:r>
-                      <a:endParaRPr lang="en-US" sz="1800" b="0" strike="noStrike" spc="-1">
+                      <a:endParaRPr lang="en-US" sz="1800" b="1" strike="noStrike" spc="-1" dirty="0">
                         <a:latin typeface="Arial"/>
                       </a:endParaRPr>
                     </a:p>
                   </a:txBody>
-                  <a:tcPr marL="90000" marR="90000">
-                    <a:lnL w="720">
-                      <a:solidFill>
-                        <a:srgbClr val="FFFFFF"/>
-                      </a:solidFill>
-                    </a:lnL>
-                    <a:lnR w="720">
-                      <a:solidFill>
-                        <a:srgbClr val="FFFFFF"/>
-                      </a:solidFill>
-                    </a:lnR>
-                    <a:lnT w="720">
-                      <a:solidFill>
-                        <a:srgbClr val="FFFFFF"/>
-                      </a:solidFill>
-                    </a:lnT>
-                    <a:lnB w="720">
-                      <a:solidFill>
-                        <a:srgbClr val="FFFFFF"/>
-                      </a:solidFill>
-                    </a:lnB>
-                    <a:solidFill>
-                      <a:srgbClr val="B3B3B3"/>
-                    </a:solidFill>
-                  </a:tcPr>
+                  <a:tcPr marL="90000" marR="90000"/>
                 </a:tc>
                 <a:extLst>
                   <a:ext uri="{0D108BD9-81ED-4DB2-BD59-A6C34878D82A}">
@@ -7405,7 +8323,7 @@
                   </a:ext>
                 </a:extLst>
               </a:tr>
-              <a:tr h="2258280">
+              <a:tr h="2273937">
                 <a:tc>
                   <a:txBody>
                     <a:bodyPr/>
@@ -7417,56 +8335,98 @@
                         </a:lnSpc>
                       </a:pPr>
                       <a:r>
-                        <a:rPr lang="en-US" sz="1700" b="0" strike="noStrike" spc="-1">
-                          <a:latin typeface="Times New Roman"/>
-                          <a:ea typeface="Times New Roman"/>
+                        <a:rPr lang="en-US" sz="1800" kern="1200" dirty="0" err="1" smtClean="0">
+                          <a:solidFill>
+                            <a:schemeClr val="tx1"/>
+                          </a:solidFill>
+                          <a:effectLst/>
+                          <a:latin typeface="Times New Roman" panose="02020603050405020304" pitchFamily="18" charset="0"/>
+                          <a:ea typeface="+mn-ea"/>
+                          <a:cs typeface="Times New Roman" panose="02020603050405020304" pitchFamily="18" charset="0"/>
                         </a:rPr>
-                        <a:t>Jimoh R. </a:t>
+                        <a:t>Jimoh</a:t>
                       </a:r>
                       <a:r>
-                        <a:rPr lang="en-US" sz="1700" b="0" i="1" strike="noStrike" spc="-1">
-                          <a:latin typeface="Times New Roman"/>
-                          <a:ea typeface="Times New Roman"/>
+                        <a:rPr lang="en-US" sz="1800" kern="1200" dirty="0" smtClean="0">
+                          <a:solidFill>
+                            <a:schemeClr val="tx1"/>
+                          </a:solidFill>
+                          <a:effectLst/>
+                          <a:latin typeface="Times New Roman" panose="02020603050405020304" pitchFamily="18" charset="0"/>
+                          <a:ea typeface="+mn-ea"/>
+                          <a:cs typeface="Times New Roman" panose="02020603050405020304" pitchFamily="18" charset="0"/>
                         </a:rPr>
-                        <a:t> et al. </a:t>
+                        <a:t>, </a:t>
                       </a:r>
                       <a:r>
-                        <a:rPr lang="en-US" sz="1700" b="0" strike="noStrike" spc="-1">
-                          <a:latin typeface="Times New Roman"/>
-                          <a:ea typeface="Times New Roman"/>
+                        <a:rPr lang="en-US" sz="1800" kern="1200" dirty="0" err="1" smtClean="0">
+                          <a:solidFill>
+                            <a:schemeClr val="tx1"/>
+                          </a:solidFill>
+                          <a:effectLst/>
+                          <a:latin typeface="Times New Roman" panose="02020603050405020304" pitchFamily="18" charset="0"/>
+                          <a:ea typeface="+mn-ea"/>
+                          <a:cs typeface="Times New Roman" panose="02020603050405020304" pitchFamily="18" charset="0"/>
                         </a:rPr>
-                        <a:t> (2014)</a:t>
+                        <a:t>Ojulari</a:t>
                       </a:r>
-                      <a:endParaRPr lang="en-US" sz="1700" b="0" strike="noStrike" spc="-1">
-                        <a:latin typeface="Arial"/>
+                      <a:r>
+                        <a:rPr lang="en-US" sz="1800" kern="1200" dirty="0" smtClean="0">
+                          <a:solidFill>
+                            <a:schemeClr val="tx1"/>
+                          </a:solidFill>
+                          <a:effectLst/>
+                          <a:latin typeface="Times New Roman" panose="02020603050405020304" pitchFamily="18" charset="0"/>
+                          <a:ea typeface="+mn-ea"/>
+                          <a:cs typeface="Times New Roman" panose="02020603050405020304" pitchFamily="18" charset="0"/>
+                        </a:rPr>
+                        <a:t>, &amp; </a:t>
+                      </a:r>
+                      <a:r>
+                        <a:rPr lang="en-US" sz="1800" kern="1200" dirty="0" err="1" smtClean="0">
+                          <a:solidFill>
+                            <a:schemeClr val="tx1"/>
+                          </a:solidFill>
+                          <a:effectLst/>
+                          <a:latin typeface="Times New Roman" panose="02020603050405020304" pitchFamily="18" charset="0"/>
+                          <a:ea typeface="+mn-ea"/>
+                          <a:cs typeface="Times New Roman" panose="02020603050405020304" pitchFamily="18" charset="0"/>
+                        </a:rPr>
+                        <a:t>Enikuomehin</a:t>
+                      </a:r>
+                      <a:r>
+                        <a:rPr lang="en-US" sz="1800" kern="1200" dirty="0" smtClean="0">
+                          <a:solidFill>
+                            <a:schemeClr val="tx1"/>
+                          </a:solidFill>
+                          <a:effectLst/>
+                          <a:latin typeface="Times New Roman" panose="02020603050405020304" pitchFamily="18" charset="0"/>
+                          <a:ea typeface="+mn-ea"/>
+                          <a:cs typeface="Times New Roman" panose="02020603050405020304" pitchFamily="18" charset="0"/>
+                        </a:rPr>
+                        <a:t> </a:t>
+                      </a:r>
+                      <a:r>
+                        <a:rPr lang="en-US" sz="1600" strike="noStrike" spc="-1" dirty="0" smtClean="0">
+                          <a:latin typeface="Times New Roman" panose="02020603050405020304" pitchFamily="18" charset="0"/>
+                          <a:cs typeface="Times New Roman" panose="02020603050405020304" pitchFamily="18" charset="0"/>
+                        </a:rPr>
+                        <a:t>(2014</a:t>
+                      </a:r>
+                      <a:r>
+                        <a:rPr lang="en-US" sz="1600" strike="noStrike" spc="-1" dirty="0">
+                          <a:latin typeface="Times New Roman" panose="02020603050405020304" pitchFamily="18" charset="0"/>
+                          <a:cs typeface="Times New Roman" panose="02020603050405020304" pitchFamily="18" charset="0"/>
+                        </a:rPr>
+                        <a:t>)</a:t>
+                      </a:r>
+                      <a:endParaRPr lang="en-US" sz="1600" b="0" strike="noStrike" spc="-1" dirty="0">
+                        <a:latin typeface="Times New Roman" panose="02020603050405020304" pitchFamily="18" charset="0"/>
+                        <a:cs typeface="Times New Roman" panose="02020603050405020304" pitchFamily="18" charset="0"/>
                       </a:endParaRPr>
                     </a:p>
                   </a:txBody>
-                  <a:tcPr marL="90000" marR="90000">
-                    <a:lnL w="720">
-                      <a:solidFill>
-                        <a:srgbClr val="FFFFFF"/>
-                      </a:solidFill>
-                    </a:lnL>
-                    <a:lnR w="720">
-                      <a:solidFill>
-                        <a:srgbClr val="FFFFFF"/>
-                      </a:solidFill>
-                    </a:lnR>
-                    <a:lnT w="720">
-                      <a:solidFill>
-                        <a:srgbClr val="FFFFFF"/>
-                      </a:solidFill>
-                    </a:lnT>
-                    <a:lnB w="720">
-                      <a:solidFill>
-                        <a:srgbClr val="FFFFFF"/>
-                      </a:solidFill>
-                    </a:lnB>
-                    <a:solidFill>
-                      <a:srgbClr val="CCCCCC"/>
-                    </a:solidFill>
-                  </a:tcPr>
+                  <a:tcPr marL="90000" marR="90000"/>
                 </a:tc>
                 <a:tc>
                   <a:txBody>
@@ -7482,41 +8442,72 @@
                         </a:spcAft>
                       </a:pPr>
                       <a:r>
-                        <a:rPr lang="en-US" sz="1700" b="0" strike="noStrike" spc="-1">
-                          <a:latin typeface="Times New Roman"/>
+                        <a:rPr lang="en-US" sz="1600" kern="1200" dirty="0" smtClean="0">
+                          <a:solidFill>
+                            <a:schemeClr val="tx1"/>
+                          </a:solidFill>
+                          <a:effectLst/>
+                          <a:latin typeface="Times New Roman" panose="02020603050405020304" pitchFamily="18" charset="0"/>
+                          <a:ea typeface="+mn-ea"/>
+                          <a:cs typeface="Times New Roman" panose="02020603050405020304" pitchFamily="18" charset="0"/>
                         </a:rPr>
-                        <a:t>In a research entitle “A Scalable Online Crime Reporting System” the authors developed a system that consists of three functional modules: a data capture module, a report management and control module, and a data utilization module.</a:t>
+                        <a:t>The researchers conducted a research work on a</a:t>
                       </a:r>
-                      <a:endParaRPr lang="en-US" sz="1700" b="0" strike="noStrike" spc="-1">
-                        <a:latin typeface="Arial"/>
+                      <a:r>
+                        <a:rPr lang="en-US" sz="1600" i="1" kern="1200" dirty="0" smtClean="0">
+                          <a:solidFill>
+                            <a:schemeClr val="tx1"/>
+                          </a:solidFill>
+                          <a:effectLst/>
+                          <a:latin typeface="Times New Roman" panose="02020603050405020304" pitchFamily="18" charset="0"/>
+                          <a:ea typeface="+mn-ea"/>
+                          <a:cs typeface="Times New Roman" panose="02020603050405020304" pitchFamily="18" charset="0"/>
+                        </a:rPr>
+                        <a:t> </a:t>
+                      </a:r>
+                      <a:r>
+                        <a:rPr lang="en-US" sz="1600" kern="1200" dirty="0" smtClean="0">
+                          <a:solidFill>
+                            <a:schemeClr val="tx1"/>
+                          </a:solidFill>
+                          <a:effectLst/>
+                          <a:latin typeface="Times New Roman" panose="02020603050405020304" pitchFamily="18" charset="0"/>
+                          <a:ea typeface="+mn-ea"/>
+                          <a:cs typeface="Times New Roman" panose="02020603050405020304" pitchFamily="18" charset="0"/>
+                        </a:rPr>
+                        <a:t>Scalable Online Crime Reporting System</a:t>
+                      </a:r>
+                      <a:r>
+                        <a:rPr lang="en-US" sz="1600" i="1" kern="1200" dirty="0" smtClean="0">
+                          <a:solidFill>
+                            <a:schemeClr val="tx1"/>
+                          </a:solidFill>
+                          <a:effectLst/>
+                          <a:latin typeface="Times New Roman" panose="02020603050405020304" pitchFamily="18" charset="0"/>
+                          <a:ea typeface="+mn-ea"/>
+                          <a:cs typeface="Times New Roman" panose="02020603050405020304" pitchFamily="18" charset="0"/>
+                        </a:rPr>
+                        <a:t>. </a:t>
+                      </a:r>
+                      <a:r>
+                        <a:rPr lang="en-US" sz="1600" kern="1200" dirty="0" smtClean="0">
+                          <a:solidFill>
+                            <a:schemeClr val="tx1"/>
+                          </a:solidFill>
+                          <a:effectLst/>
+                          <a:latin typeface="Times New Roman" panose="02020603050405020304" pitchFamily="18" charset="0"/>
+                          <a:ea typeface="+mn-ea"/>
+                          <a:cs typeface="Times New Roman" panose="02020603050405020304" pitchFamily="18" charset="0"/>
+                        </a:rPr>
+                        <a:t>The system consists of three functional modules: a data capture module, a report management and control module, and a data utilization module.</a:t>
+                      </a:r>
+                      <a:endParaRPr lang="en-US" sz="1600" b="0" strike="noStrike" spc="-1" dirty="0">
+                        <a:latin typeface="Times New Roman" panose="02020603050405020304" pitchFamily="18" charset="0"/>
+                        <a:cs typeface="Times New Roman" panose="02020603050405020304" pitchFamily="18" charset="0"/>
                       </a:endParaRPr>
                     </a:p>
                   </a:txBody>
-                  <a:tcPr marL="90000" marR="90000">
-                    <a:lnL w="720">
-                      <a:solidFill>
-                        <a:srgbClr val="FFFFFF"/>
-                      </a:solidFill>
-                    </a:lnL>
-                    <a:lnR w="720">
-                      <a:solidFill>
-                        <a:srgbClr val="FFFFFF"/>
-                      </a:solidFill>
-                    </a:lnR>
-                    <a:lnT w="720">
-                      <a:solidFill>
-                        <a:srgbClr val="FFFFFF"/>
-                      </a:solidFill>
-                    </a:lnT>
-                    <a:lnB w="720">
-                      <a:solidFill>
-                        <a:srgbClr val="FFFFFF"/>
-                      </a:solidFill>
-                    </a:lnB>
-                    <a:solidFill>
-                      <a:srgbClr val="CCCCCC"/>
-                    </a:solidFill>
-                  </a:tcPr>
+                  <a:tcPr marL="90000" marR="90000"/>
                 </a:tc>
                 <a:tc>
                   <a:txBody>
@@ -7529,42 +8520,24 @@
                         </a:lnSpc>
                       </a:pPr>
                       <a:r>
-                        <a:rPr lang="en-US" sz="1700" b="0" strike="noStrike" spc="-1">
-                          <a:latin typeface="Times New Roman"/>
-                          <a:ea typeface="Calibri"/>
+                        <a:rPr lang="en-US" sz="1600" kern="1200" dirty="0" smtClean="0">
+                          <a:solidFill>
+                            <a:schemeClr val="tx1"/>
+                          </a:solidFill>
+                          <a:effectLst/>
+                          <a:latin typeface="Times New Roman" panose="02020603050405020304" pitchFamily="18" charset="0"/>
+                          <a:ea typeface="+mn-ea"/>
+                          <a:cs typeface="Times New Roman" panose="02020603050405020304" pitchFamily="18" charset="0"/>
                         </a:rPr>
-                        <a:t>The system was not tailored towards accessibility (mobile version), awareness and improvement on the usage</a:t>
+                        <a:t>The system was not tailored towards accessibility (mobile version), awareness and improvement on the usage.</a:t>
                       </a:r>
-                      <a:endParaRPr lang="en-US" sz="1700" b="0" strike="noStrike" spc="-1">
-                        <a:latin typeface="Arial"/>
+                      <a:endParaRPr lang="en-US" sz="1600" b="0" strike="noStrike" spc="-1" dirty="0">
+                        <a:latin typeface="Times New Roman" panose="02020603050405020304" pitchFamily="18" charset="0"/>
+                        <a:cs typeface="Times New Roman" panose="02020603050405020304" pitchFamily="18" charset="0"/>
                       </a:endParaRPr>
                     </a:p>
                   </a:txBody>
-                  <a:tcPr marL="90000" marR="90000">
-                    <a:lnL w="720">
-                      <a:solidFill>
-                        <a:srgbClr val="FFFFFF"/>
-                      </a:solidFill>
-                    </a:lnL>
-                    <a:lnR w="720">
-                      <a:solidFill>
-                        <a:srgbClr val="FFFFFF"/>
-                      </a:solidFill>
-                    </a:lnR>
-                    <a:lnT w="720">
-                      <a:solidFill>
-                        <a:srgbClr val="FFFFFF"/>
-                      </a:solidFill>
-                    </a:lnT>
-                    <a:lnB w="720">
-                      <a:solidFill>
-                        <a:srgbClr val="FFFFFF"/>
-                      </a:solidFill>
-                    </a:lnB>
-                    <a:solidFill>
-                      <a:srgbClr val="CCCCCC"/>
-                    </a:solidFill>
-                  </a:tcPr>
+                  <a:tcPr marL="90000" marR="90000"/>
                 </a:tc>
                 <a:extLst>
                   <a:ext uri="{0D108BD9-81ED-4DB2-BD59-A6C34878D82A}">
@@ -7572,54 +8545,72 @@
                   </a:ext>
                 </a:extLst>
               </a:tr>
-              <a:tr h="1897200">
+              <a:tr h="1909249">
                 <a:tc>
                   <a:txBody>
                     <a:bodyPr/>
                     <a:lstStyle/>
                     <a:p>
-                      <a:pPr>
-                        <a:lnSpc>
-                          <a:spcPct val="150000"/>
-                        </a:lnSpc>
-                      </a:pPr>
                       <a:r>
-                        <a:rPr lang="en-US" sz="1600" b="0" strike="noStrike" spc="-1">
-                          <a:latin typeface="Times New Roman"/>
-                          <a:ea typeface="Calibri"/>
+                        <a:rPr lang="en-US" sz="1600" kern="1200" dirty="0" err="1" smtClean="0">
+                          <a:solidFill>
+                            <a:schemeClr val="tx1"/>
+                          </a:solidFill>
+                          <a:effectLst/>
+                          <a:latin typeface="Times New Roman" panose="02020603050405020304" pitchFamily="18" charset="0"/>
+                          <a:ea typeface="+mn-ea"/>
+                          <a:cs typeface="Times New Roman" panose="02020603050405020304" pitchFamily="18" charset="0"/>
                         </a:rPr>
-                        <a:t>Archana M.  &amp; Durga S, (2016)</a:t>
+                        <a:t>Archana</a:t>
                       </a:r>
-                      <a:endParaRPr lang="en-US" sz="1600" b="0" strike="noStrike" spc="-1">
-                        <a:latin typeface="Arial"/>
+                      <a:r>
+                        <a:rPr lang="en-US" sz="1600" kern="1200" dirty="0" smtClean="0">
+                          <a:solidFill>
+                            <a:schemeClr val="tx1"/>
+                          </a:solidFill>
+                          <a:effectLst/>
+                          <a:latin typeface="Times New Roman" panose="02020603050405020304" pitchFamily="18" charset="0"/>
+                          <a:ea typeface="+mn-ea"/>
+                          <a:cs typeface="Times New Roman" panose="02020603050405020304" pitchFamily="18" charset="0"/>
+                        </a:rPr>
+                        <a:t>  &amp; </a:t>
+                      </a:r>
+                      <a:r>
+                        <a:rPr lang="en-US" sz="1600" kern="1200" dirty="0" err="1" smtClean="0">
+                          <a:solidFill>
+                            <a:schemeClr val="tx1"/>
+                          </a:solidFill>
+                          <a:effectLst/>
+                          <a:latin typeface="Times New Roman" panose="02020603050405020304" pitchFamily="18" charset="0"/>
+                          <a:ea typeface="+mn-ea"/>
+                          <a:cs typeface="Times New Roman" panose="02020603050405020304" pitchFamily="18" charset="0"/>
+                        </a:rPr>
+                        <a:t>Durga</a:t>
+                      </a:r>
+                      <a:r>
+                        <a:rPr lang="en-US" sz="1600" kern="1200" dirty="0" smtClean="0">
+                          <a:solidFill>
+                            <a:schemeClr val="tx1"/>
+                          </a:solidFill>
+                          <a:effectLst/>
+                          <a:latin typeface="Times New Roman" panose="02020603050405020304" pitchFamily="18" charset="0"/>
+                          <a:ea typeface="+mn-ea"/>
+                          <a:cs typeface="Times New Roman" panose="02020603050405020304" pitchFamily="18" charset="0"/>
+                        </a:rPr>
+                        <a:t>, (2016)</a:t>
+                      </a:r>
+                      <a:endParaRPr lang="en-US" sz="1600" kern="1200" dirty="0">
+                        <a:solidFill>
+                          <a:schemeClr val="tx1"/>
+                        </a:solidFill>
+                        <a:effectLst/>
+                        <a:latin typeface="Times New Roman" panose="02020603050405020304" pitchFamily="18" charset="0"/>
+                        <a:ea typeface="+mn-ea"/>
+                        <a:cs typeface="Times New Roman" panose="02020603050405020304" pitchFamily="18" charset="0"/>
                       </a:endParaRPr>
                     </a:p>
                   </a:txBody>
-                  <a:tcPr marL="90000" marR="90000">
-                    <a:lnL w="720">
-                      <a:solidFill>
-                        <a:srgbClr val="FFFFFF"/>
-                      </a:solidFill>
-                    </a:lnL>
-                    <a:lnR w="720">
-                      <a:solidFill>
-                        <a:srgbClr val="FFFFFF"/>
-                      </a:solidFill>
-                    </a:lnR>
-                    <a:lnT w="720">
-                      <a:solidFill>
-                        <a:srgbClr val="FFFFFF"/>
-                      </a:solidFill>
-                    </a:lnT>
-                    <a:lnB w="720">
-                      <a:solidFill>
-                        <a:srgbClr val="FFFFFF"/>
-                      </a:solidFill>
-                    </a:lnB>
-                    <a:solidFill>
-                      <a:srgbClr val="CCCCCC"/>
-                    </a:solidFill>
-                  </a:tcPr>
+                  <a:tcPr marL="90000" marR="90000"/>
                 </a:tc>
                 <a:tc>
                   <a:txBody>
@@ -7632,59 +8623,72 @@
                         </a:lnSpc>
                       </a:pPr>
                       <a:r>
-                        <a:rPr lang="en-US" sz="1700" b="0" strike="noStrike" spc="-1">
-                          <a:latin typeface="Times New Roman"/>
-                          <a:ea typeface="Noto Sans CJK SC"/>
+                        <a:rPr lang="en-US" sz="1600" kern="1200" dirty="0" smtClean="0">
+                          <a:solidFill>
+                            <a:schemeClr val="tx1"/>
+                          </a:solidFill>
+                          <a:effectLst/>
+                          <a:latin typeface="Times New Roman" panose="02020603050405020304" pitchFamily="18" charset="0"/>
+                          <a:ea typeface="+mn-ea"/>
+                          <a:cs typeface="Times New Roman" panose="02020603050405020304" pitchFamily="18" charset="0"/>
                         </a:rPr>
-                        <a:t>Proposed an </a:t>
+                        <a:t>Developed</a:t>
                       </a:r>
                       <a:r>
-                        <a:rPr lang="en-US" sz="1700" b="0" strike="noStrike" spc="-1">
-                          <a:latin typeface="Times New Roman"/>
-                          <a:ea typeface="Times New Roman"/>
+                        <a:rPr lang="en-US" sz="1600" kern="1200" baseline="0" dirty="0" smtClean="0">
+                          <a:solidFill>
+                            <a:schemeClr val="tx1"/>
+                          </a:solidFill>
+                          <a:effectLst/>
+                          <a:latin typeface="Times New Roman" panose="02020603050405020304" pitchFamily="18" charset="0"/>
+                          <a:ea typeface="+mn-ea"/>
+                          <a:cs typeface="Times New Roman" panose="02020603050405020304" pitchFamily="18" charset="0"/>
                         </a:rPr>
-                        <a:t>Online Crime Reporting System that manage criminal details in a centralized database and provide solution for public to give complaint through online. </a:t>
+                        <a:t> an </a:t>
                       </a:r>
-                      <a:endParaRPr lang="en-US" sz="1700" b="0" strike="noStrike" spc="-1">
-                        <a:latin typeface="Arial"/>
-                      </a:endParaRPr>
-                    </a:p>
-                    <a:p>
-                      <a:pPr>
-                        <a:lnSpc>
-                          <a:spcPct val="150000"/>
-                        </a:lnSpc>
-                      </a:pPr>
-                      <a:endParaRPr lang="en-US" sz="1700" b="0" strike="noStrike" spc="-1">
-                        <a:latin typeface="Arial"/>
+                      <a:r>
+                        <a:rPr lang="en-US" sz="1600" kern="1200" dirty="0" smtClean="0">
+                          <a:solidFill>
+                            <a:schemeClr val="tx1"/>
+                          </a:solidFill>
+                          <a:effectLst/>
+                          <a:latin typeface="Times New Roman" panose="02020603050405020304" pitchFamily="18" charset="0"/>
+                          <a:ea typeface="+mn-ea"/>
+                          <a:cs typeface="Times New Roman" panose="02020603050405020304" pitchFamily="18" charset="0"/>
+                        </a:rPr>
+                        <a:t>Online Crime Reporting System</a:t>
+                      </a:r>
+                      <a:r>
+                        <a:rPr lang="en-US" sz="1600" kern="1200" baseline="0" dirty="0" smtClean="0">
+                          <a:solidFill>
+                            <a:schemeClr val="tx1"/>
+                          </a:solidFill>
+                          <a:effectLst/>
+                          <a:latin typeface="Times New Roman" panose="02020603050405020304" pitchFamily="18" charset="0"/>
+                          <a:ea typeface="+mn-ea"/>
+                          <a:cs typeface="Times New Roman" panose="02020603050405020304" pitchFamily="18" charset="0"/>
+                        </a:rPr>
+                        <a:t> that helps</a:t>
+                      </a:r>
+                      <a:r>
+                        <a:rPr lang="en-US" sz="1600" kern="1200" dirty="0" smtClean="0">
+                          <a:solidFill>
+                            <a:schemeClr val="tx1"/>
+                          </a:solidFill>
+                          <a:effectLst/>
+                          <a:latin typeface="Times New Roman" panose="02020603050405020304" pitchFamily="18" charset="0"/>
+                          <a:ea typeface="+mn-ea"/>
+                          <a:cs typeface="Times New Roman" panose="02020603050405020304" pitchFamily="18" charset="0"/>
+                        </a:rPr>
+                        <a:t> manage criminal details in a centralized database and provide solution for public to give complaint through online. The system was implemented using C#, ASP and SQL Server</a:t>
+                      </a:r>
+                      <a:endParaRPr lang="en-US" sz="1600" b="0" strike="noStrike" spc="-1" dirty="0">
+                        <a:latin typeface="Times New Roman" panose="02020603050405020304" pitchFamily="18" charset="0"/>
+                        <a:cs typeface="Times New Roman" panose="02020603050405020304" pitchFamily="18" charset="0"/>
                       </a:endParaRPr>
                     </a:p>
                   </a:txBody>
-                  <a:tcPr marL="90000" marR="90000">
-                    <a:lnL w="720">
-                      <a:solidFill>
-                        <a:srgbClr val="FFFFFF"/>
-                      </a:solidFill>
-                    </a:lnL>
-                    <a:lnR w="720">
-                      <a:solidFill>
-                        <a:srgbClr val="FFFFFF"/>
-                      </a:solidFill>
-                    </a:lnR>
-                    <a:lnT w="720">
-                      <a:solidFill>
-                        <a:srgbClr val="FFFFFF"/>
-                      </a:solidFill>
-                    </a:lnT>
-                    <a:lnB w="720">
-                      <a:solidFill>
-                        <a:srgbClr val="FFFFFF"/>
-                      </a:solidFill>
-                    </a:lnB>
-                    <a:solidFill>
-                      <a:srgbClr val="CCCCCC"/>
-                    </a:solidFill>
-                  </a:tcPr>
+                  <a:tcPr marL="90000" marR="90000"/>
                 </a:tc>
                 <a:tc>
                   <a:txBody>
@@ -7700,42 +8704,24 @@
                         </a:spcAft>
                       </a:pPr>
                       <a:r>
-                        <a:rPr lang="en-US" sz="1600" b="0" strike="noStrike" spc="-1">
-                          <a:latin typeface="Times New Roman"/>
-                          <a:ea typeface="Times New Roman"/>
+                        <a:rPr lang="en-US" sz="1600" kern="1200" dirty="0" smtClean="0">
+                          <a:solidFill>
+                            <a:schemeClr val="tx1"/>
+                          </a:solidFill>
+                          <a:effectLst/>
+                          <a:latin typeface="Times New Roman" panose="02020603050405020304" pitchFamily="18" charset="0"/>
+                          <a:ea typeface="+mn-ea"/>
+                          <a:cs typeface="Times New Roman" panose="02020603050405020304" pitchFamily="18" charset="0"/>
                         </a:rPr>
                         <a:t>The system did not implement the QR code scan for the privacy of the user while downloading the FIR details.</a:t>
                       </a:r>
-                      <a:endParaRPr lang="en-US" sz="1600" b="0" strike="noStrike" spc="-1">
-                        <a:latin typeface="Arial"/>
+                      <a:endParaRPr lang="en-US" sz="1600" b="0" strike="noStrike" spc="-1" dirty="0">
+                        <a:latin typeface="Times New Roman" panose="02020603050405020304" pitchFamily="18" charset="0"/>
+                        <a:cs typeface="Times New Roman" panose="02020603050405020304" pitchFamily="18" charset="0"/>
                       </a:endParaRPr>
                     </a:p>
                   </a:txBody>
-                  <a:tcPr marL="90000" marR="90000">
-                    <a:lnL w="720">
-                      <a:solidFill>
-                        <a:srgbClr val="FFFFFF"/>
-                      </a:solidFill>
-                    </a:lnL>
-                    <a:lnR w="720">
-                      <a:solidFill>
-                        <a:srgbClr val="FFFFFF"/>
-                      </a:solidFill>
-                    </a:lnR>
-                    <a:lnT w="720">
-                      <a:solidFill>
-                        <a:srgbClr val="FFFFFF"/>
-                      </a:solidFill>
-                    </a:lnT>
-                    <a:lnB w="720">
-                      <a:solidFill>
-                        <a:srgbClr val="FFFFFF"/>
-                      </a:solidFill>
-                    </a:lnB>
-                    <a:solidFill>
-                      <a:srgbClr val="CCCCCC"/>
-                    </a:solidFill>
-                  </a:tcPr>
+                  <a:tcPr marL="90000" marR="90000"/>
                 </a:tc>
                 <a:extLst>
                   <a:ext uri="{0D108BD9-81ED-4DB2-BD59-A6C34878D82A}">
@@ -7747,6 +8733,44 @@
           </a:graphicData>
         </a:graphic>
       </p:graphicFrame>
+      <p:sp>
+        <p:nvSpPr>
+          <p:cNvPr id="4" name="TextBox 3"/>
+          <p:cNvSpPr txBox="1"/>
+          <p:nvPr/>
+        </p:nvSpPr>
+        <p:spPr>
+          <a:xfrm>
+            <a:off x="491764" y="288194"/>
+            <a:ext cx="593766" cy="369332"/>
+          </a:xfrm>
+          <a:prstGeom prst="rect">
+            <a:avLst/>
+          </a:prstGeom>
+          <a:noFill/>
+        </p:spPr>
+        <p:txBody>
+          <a:bodyPr wrap="square" rtlCol="0">
+            <a:spAutoFit/>
+          </a:bodyPr>
+          <a:lstStyle/>
+          <a:p>
+            <a:r>
+              <a:rPr lang="en-US" b="1" dirty="0" smtClean="0">
+                <a:solidFill>
+                  <a:srgbClr val="C00000"/>
+                </a:solidFill>
+              </a:rPr>
+              <a:t>6</a:t>
+            </a:r>
+            <a:endParaRPr lang="en-US" b="1" dirty="0">
+              <a:solidFill>
+                <a:srgbClr val="C00000"/>
+              </a:solidFill>
+            </a:endParaRPr>
+          </a:p>
+        </p:txBody>
+      </p:sp>
     </p:spTree>
   </p:cSld>
   <p:clrMapOvr>
@@ -7807,7 +8831,7 @@
         </p:nvSpPr>
         <p:spPr>
           <a:xfrm>
-            <a:off x="503640" y="225360"/>
+            <a:off x="390751" y="0"/>
             <a:ext cx="9070560" cy="945720"/>
           </a:xfrm>
           <a:prstGeom prst="rect">
@@ -7857,34 +8881,42 @@
       </p:sp>
       <p:graphicFrame>
         <p:nvGraphicFramePr>
-          <p:cNvPr id="92" name="Table 2"/>
+          <p:cNvPr id="4" name="Table 2"/>
           <p:cNvGraphicFramePr/>
-          <p:nvPr/>
+          <p:nvPr>
+            <p:extLst>
+              <p:ext uri="{D42A27DB-BD31-4B8C-83A1-F6EECF244321}">
+                <p14:modId xmlns:p14="http://schemas.microsoft.com/office/powerpoint/2010/main" val="502414090"/>
+              </p:ext>
+            </p:extLst>
+          </p:nvPr>
         </p:nvGraphicFramePr>
         <p:xfrm>
-          <a:off x="91440" y="1044720"/>
-          <a:ext cx="9783720" cy="4823460"/>
+          <a:off x="390751" y="734201"/>
+          <a:ext cx="8979027" cy="4571577"/>
         </p:xfrm>
         <a:graphic>
           <a:graphicData uri="http://schemas.openxmlformats.org/drawingml/2006/table">
             <a:tbl>
-              <a:tblPr/>
+              <a:tblPr>
+                <a:tableStyleId>{5940675A-B579-460E-94D1-54222C63F5DA}</a:tableStyleId>
+              </a:tblPr>
               <a:tblGrid>
-                <a:gridCol w="2493000">
+                <a:gridCol w="2115382">
                   <a:extLst>
                     <a:ext uri="{9D8B030D-6E8A-4147-A177-3AD203B41FA5}">
                       <a16:colId xmlns:a16="http://schemas.microsoft.com/office/drawing/2014/main" val="20000"/>
                     </a:ext>
                   </a:extLst>
                 </a:gridCol>
-                <a:gridCol w="4451040">
+                <a:gridCol w="4334934">
                   <a:extLst>
                     <a:ext uri="{9D8B030D-6E8A-4147-A177-3AD203B41FA5}">
                       <a16:colId xmlns:a16="http://schemas.microsoft.com/office/drawing/2014/main" val="20001"/>
                     </a:ext>
                   </a:extLst>
                 </a:gridCol>
-                <a:gridCol w="2839680">
+                <a:gridCol w="2528711">
                   <a:extLst>
                     <a:ext uri="{9D8B030D-6E8A-4147-A177-3AD203B41FA5}">
                       <a16:colId xmlns:a16="http://schemas.microsoft.com/office/drawing/2014/main" val="20002"/>
@@ -7892,147 +8924,69 @@
                   </a:extLst>
                 </a:gridCol>
               </a:tblGrid>
-              <a:tr h="347760">
+              <a:tr h="390751">
                 <a:tc>
                   <a:txBody>
                     <a:bodyPr/>
                     <a:lstStyle/>
                     <a:p>
-                      <a:pPr algn="ctr">
+                      <a:pPr algn="just">
                         <a:lnSpc>
                           <a:spcPct val="100000"/>
                         </a:lnSpc>
                       </a:pPr>
                       <a:r>
-                        <a:rPr lang="en-US" sz="1800" b="1" strike="noStrike" spc="-1">
-                          <a:latin typeface="Arial"/>
-                        </a:rPr>
+                        <a:rPr lang="en-US" sz="1800" b="1" strike="noStrike" spc="-1" dirty="0"/>
                         <a:t>AUTHOR/YEAR</a:t>
                       </a:r>
-                      <a:endParaRPr lang="en-US" sz="1800" b="0" strike="noStrike" spc="-1">
+                      <a:endParaRPr lang="en-US" sz="1800" b="1" strike="noStrike" spc="-1" dirty="0">
                         <a:latin typeface="Arial"/>
                       </a:endParaRPr>
                     </a:p>
                   </a:txBody>
-                  <a:tcPr marL="90000" marR="90000">
-                    <a:lnL w="720">
-                      <a:solidFill>
-                        <a:srgbClr val="FFFFFF"/>
-                      </a:solidFill>
-                    </a:lnL>
-                    <a:lnR w="720">
-                      <a:solidFill>
-                        <a:srgbClr val="FFFFFF"/>
-                      </a:solidFill>
-                    </a:lnR>
-                    <a:lnT w="720">
-                      <a:solidFill>
-                        <a:srgbClr val="FFFFFF"/>
-                      </a:solidFill>
-                    </a:lnT>
-                    <a:lnB w="720">
-                      <a:solidFill>
-                        <a:srgbClr val="FFFFFF"/>
-                      </a:solidFill>
-                    </a:lnB>
-                    <a:solidFill>
-                      <a:srgbClr val="B3B3B3"/>
-                    </a:solidFill>
-                  </a:tcPr>
+                  <a:tcPr marL="90000" marR="90000"/>
                 </a:tc>
                 <a:tc>
                   <a:txBody>
                     <a:bodyPr/>
                     <a:lstStyle/>
                     <a:p>
-                      <a:pPr algn="ctr">
+                      <a:pPr algn="just">
                         <a:lnSpc>
                           <a:spcPct val="100000"/>
                         </a:lnSpc>
                       </a:pPr>
                       <a:r>
-                        <a:rPr lang="en-US" sz="1800" b="1" strike="noStrike" spc="-1">
-                          <a:latin typeface="Times New Roman"/>
-                        </a:rPr>
+                        <a:rPr lang="en-US" sz="1800" b="1" strike="noStrike" spc="-1" dirty="0"/>
                         <a:t>WHAT THEY DID</a:t>
                       </a:r>
-                      <a:endParaRPr lang="en-US" sz="1800" b="0" strike="noStrike" spc="-1">
+                      <a:endParaRPr lang="en-US" sz="1800" b="1" strike="noStrike" spc="-1" dirty="0">
                         <a:latin typeface="Arial"/>
                       </a:endParaRPr>
                     </a:p>
                   </a:txBody>
-                  <a:tcPr marL="90000" marR="90000">
-                    <a:lnL w="720">
-                      <a:solidFill>
-                        <a:srgbClr val="FFFFFF"/>
-                      </a:solidFill>
-                    </a:lnL>
-                    <a:lnR w="720">
-                      <a:solidFill>
-                        <a:srgbClr val="FFFFFF"/>
-                      </a:solidFill>
-                    </a:lnR>
-                    <a:lnT w="720">
-                      <a:solidFill>
-                        <a:srgbClr val="FFFFFF"/>
-                      </a:solidFill>
-                    </a:lnT>
-                    <a:lnB w="720">
-                      <a:solidFill>
-                        <a:srgbClr val="FFFFFF"/>
-                      </a:solidFill>
-                    </a:lnB>
-                    <a:solidFill>
-                      <a:srgbClr val="B3B3B3"/>
-                    </a:solidFill>
-                  </a:tcPr>
+                  <a:tcPr marL="90000" marR="90000"/>
                 </a:tc>
                 <a:tc>
                   <a:txBody>
                     <a:bodyPr/>
                     <a:lstStyle/>
                     <a:p>
-                      <a:pPr algn="ctr">
+                      <a:pPr algn="just">
                         <a:lnSpc>
                           <a:spcPct val="100000"/>
                         </a:lnSpc>
                       </a:pPr>
                       <a:r>
-                        <a:rPr lang="en-US" sz="1800" b="1" strike="noStrike" spc="-1">
-                          <a:latin typeface="Arial"/>
-                        </a:rPr>
+                        <a:rPr lang="en-US" sz="1800" b="1" strike="noStrike" spc="-1" dirty="0"/>
                         <a:t>LIMITATIONS</a:t>
                       </a:r>
-                      <a:endParaRPr lang="en-US" sz="1800" b="0" strike="noStrike" spc="-1">
+                      <a:endParaRPr lang="en-US" sz="1800" b="1" strike="noStrike" spc="-1" dirty="0">
                         <a:latin typeface="Arial"/>
                       </a:endParaRPr>
                     </a:p>
                   </a:txBody>
-                  <a:tcPr marL="90000" marR="90000">
-                    <a:lnL w="720">
-                      <a:solidFill>
-                        <a:srgbClr val="FFFFFF"/>
-                      </a:solidFill>
-                    </a:lnL>
-                    <a:lnR w="720">
-                      <a:solidFill>
-                        <a:srgbClr val="FFFFFF"/>
-                      </a:solidFill>
-                    </a:lnR>
-                    <a:lnT w="720">
-                      <a:solidFill>
-                        <a:srgbClr val="FFFFFF"/>
-                      </a:solidFill>
-                    </a:lnT>
-                    <a:lnB w="720">
-                      <a:solidFill>
-                        <a:srgbClr val="FFFFFF"/>
-                      </a:solidFill>
-                    </a:lnB>
-                    <a:solidFill>
-                      <a:srgbClr val="B3B3B3"/>
-                    </a:solidFill>
-                  </a:tcPr>
+                  <a:tcPr marL="90000" marR="90000"/>
                 </a:tc>
                 <a:extLst>
                   <a:ext uri="{0D108BD9-81ED-4DB2-BD59-A6C34878D82A}">
@@ -8040,53 +8994,48 @@
                   </a:ext>
                 </a:extLst>
               </a:tr>
-              <a:tr h="2258280">
+              <a:tr h="2129383">
                 <a:tc>
                   <a:txBody>
                     <a:bodyPr/>
                     <a:lstStyle/>
                     <a:p>
-                      <a:pPr>
+                      <a:pPr algn="just">
                         <a:lnSpc>
                           <a:spcPct val="150000"/>
                         </a:lnSpc>
                       </a:pPr>
                       <a:r>
-                        <a:rPr lang="en-US" sz="1700" b="0" strike="noStrike" spc="-1">
-                          <a:latin typeface="Times New Roman"/>
+                        <a:rPr lang="en-US" sz="1600" kern="1200" dirty="0" err="1" smtClean="0">
+                          <a:solidFill>
+                            <a:schemeClr val="tx1"/>
+                          </a:solidFill>
+                          <a:effectLst/>
+                          <a:latin typeface="Times New Roman" panose="02020603050405020304" pitchFamily="18" charset="0"/>
+                          <a:ea typeface="+mn-ea"/>
+                          <a:cs typeface="Times New Roman" panose="02020603050405020304" pitchFamily="18" charset="0"/>
                         </a:rPr>
-                        <a:t>Yugandhar P. &amp;  Muni B. Archana (2018)</a:t>
+                        <a:t>Yugandhar</a:t>
                       </a:r>
-                      <a:endParaRPr lang="en-US" sz="1700" b="0" strike="noStrike" spc="-1">
-                        <a:latin typeface="Arial"/>
+                      <a:r>
+                        <a:rPr lang="en-US" sz="1600" kern="1200" dirty="0" smtClean="0">
+                          <a:solidFill>
+                            <a:schemeClr val="tx1"/>
+                          </a:solidFill>
+                          <a:effectLst/>
+                          <a:latin typeface="Times New Roman" panose="02020603050405020304" pitchFamily="18" charset="0"/>
+                          <a:ea typeface="+mn-ea"/>
+                          <a:cs typeface="Times New Roman" panose="02020603050405020304" pitchFamily="18" charset="0"/>
+                        </a:rPr>
+                        <a:t> &amp; Muni (2018)</a:t>
+                      </a:r>
+                      <a:endParaRPr lang="en-US" sz="1600" b="0" strike="noStrike" spc="-1" dirty="0">
+                        <a:latin typeface="Times New Roman" panose="02020603050405020304" pitchFamily="18" charset="0"/>
+                        <a:cs typeface="Times New Roman" panose="02020603050405020304" pitchFamily="18" charset="0"/>
                       </a:endParaRPr>
                     </a:p>
                   </a:txBody>
-                  <a:tcPr marL="90000" marR="90000">
-                    <a:lnL w="720">
-                      <a:solidFill>
-                        <a:srgbClr val="FFFFFF"/>
-                      </a:solidFill>
-                    </a:lnL>
-                    <a:lnR w="720">
-                      <a:solidFill>
-                        <a:srgbClr val="FFFFFF"/>
-                      </a:solidFill>
-                    </a:lnR>
-                    <a:lnT w="720">
-                      <a:solidFill>
-                        <a:srgbClr val="FFFFFF"/>
-                      </a:solidFill>
-                    </a:lnT>
-                    <a:lnB w="720">
-                      <a:solidFill>
-                        <a:srgbClr val="FFFFFF"/>
-                      </a:solidFill>
-                    </a:lnB>
-                    <a:solidFill>
-                      <a:srgbClr val="CCCCCC"/>
-                    </a:solidFill>
-                  </a:tcPr>
+                  <a:tcPr marL="90000" marR="90000"/>
                 </a:tc>
                 <a:tc>
                   <a:txBody>
@@ -8102,89 +9051,96 @@
                         </a:spcAft>
                       </a:pPr>
                       <a:r>
-                        <a:rPr lang="en-US" sz="1700" b="0" strike="noStrike" spc="-1">
-                          <a:latin typeface="Times New Roman"/>
+                        <a:rPr lang="en-US" sz="1600" kern="1200" dirty="0" smtClean="0">
+                          <a:solidFill>
+                            <a:schemeClr val="tx1"/>
+                          </a:solidFill>
+                          <a:effectLst/>
+                          <a:latin typeface="Times New Roman" panose="02020603050405020304" pitchFamily="18" charset="0"/>
+                          <a:ea typeface="+mn-ea"/>
+                          <a:cs typeface="Times New Roman" panose="02020603050405020304" pitchFamily="18" charset="0"/>
                         </a:rPr>
-                        <a:t>Developed a software that provides facility for reporting online crimes, complaints, missing persons, show criminal details. The software was developed with modular approach.</a:t>
+                        <a:t>Crime Reporting System. The authors developed a software that provides facility for reporting online crimes, complaints, missing persons, show criminal details. The software was developed with modular approach. </a:t>
                       </a:r>
-                      <a:endParaRPr lang="en-US" sz="1700" b="0" strike="noStrike" spc="-1">
-                        <a:latin typeface="Arial"/>
+                      <a:endParaRPr lang="en-US" sz="1600" b="0" strike="noStrike" spc="-1" dirty="0">
+                        <a:latin typeface="Times New Roman" panose="02020603050405020304" pitchFamily="18" charset="0"/>
+                        <a:cs typeface="Times New Roman" panose="02020603050405020304" pitchFamily="18" charset="0"/>
                       </a:endParaRPr>
                     </a:p>
                   </a:txBody>
-                  <a:tcPr marL="90000" marR="90000">
-                    <a:lnL w="720">
-                      <a:solidFill>
-                        <a:srgbClr val="FFFFFF"/>
-                      </a:solidFill>
-                    </a:lnL>
-                    <a:lnR w="720">
-                      <a:solidFill>
-                        <a:srgbClr val="FFFFFF"/>
-                      </a:solidFill>
-                    </a:lnR>
-                    <a:lnT w="720">
-                      <a:solidFill>
-                        <a:srgbClr val="FFFFFF"/>
-                      </a:solidFill>
-                    </a:lnT>
-                    <a:lnB w="720">
-                      <a:solidFill>
-                        <a:srgbClr val="FFFFFF"/>
-                      </a:solidFill>
-                    </a:lnB>
-                    <a:solidFill>
-                      <a:srgbClr val="CCCCCC"/>
-                    </a:solidFill>
-                  </a:tcPr>
+                  <a:tcPr marL="90000" marR="90000"/>
                 </a:tc>
                 <a:tc>
                   <a:txBody>
                     <a:bodyPr/>
                     <a:lstStyle/>
                     <a:p>
-                      <a:pPr>
+                      <a:pPr algn="just"/>
+                      <a:r>
+                        <a:rPr lang="en-US" sz="1600" kern="1200" dirty="0" smtClean="0">
+                          <a:solidFill>
+                            <a:schemeClr val="tx1"/>
+                          </a:solidFill>
+                          <a:effectLst/>
+                          <a:latin typeface="Times New Roman" panose="02020603050405020304" pitchFamily="18" charset="0"/>
+                          <a:ea typeface="+mn-ea"/>
+                          <a:cs typeface="Times New Roman" panose="02020603050405020304" pitchFamily="18" charset="0"/>
+                        </a:rPr>
+                        <a:t>Multilingual support can be provided so that it can be understandable</a:t>
+                      </a:r>
+                      <a:r>
+                        <a:rPr lang="en-US" sz="1600" kern="1200" baseline="0" dirty="0" smtClean="0">
+                          <a:solidFill>
+                            <a:schemeClr val="tx1"/>
+                          </a:solidFill>
+                          <a:effectLst/>
+                          <a:latin typeface="Times New Roman" panose="02020603050405020304" pitchFamily="18" charset="0"/>
+                          <a:ea typeface="+mn-ea"/>
+                          <a:cs typeface="Times New Roman" panose="02020603050405020304" pitchFamily="18" charset="0"/>
+                        </a:rPr>
+                        <a:t> </a:t>
+                      </a:r>
+                      <a:r>
+                        <a:rPr lang="en-US" sz="1600" kern="1200" dirty="0" smtClean="0">
+                          <a:solidFill>
+                            <a:schemeClr val="tx1"/>
+                          </a:solidFill>
+                          <a:effectLst/>
+                          <a:latin typeface="Times New Roman" panose="02020603050405020304" pitchFamily="18" charset="0"/>
+                          <a:ea typeface="+mn-ea"/>
+                          <a:cs typeface="Times New Roman" panose="02020603050405020304" pitchFamily="18" charset="0"/>
+                        </a:rPr>
+                        <a:t>by the person of any</a:t>
+                      </a:r>
+                    </a:p>
+                    <a:p>
+                      <a:pPr algn="just"/>
+                      <a:r>
+                        <a:rPr lang="en-US" sz="1600" kern="1200" dirty="0" smtClean="0">
+                          <a:solidFill>
+                            <a:schemeClr val="tx1"/>
+                          </a:solidFill>
+                          <a:effectLst/>
+                          <a:latin typeface="Times New Roman" panose="02020603050405020304" pitchFamily="18" charset="0"/>
+                          <a:ea typeface="+mn-ea"/>
+                          <a:cs typeface="Times New Roman" panose="02020603050405020304" pitchFamily="18" charset="0"/>
+                        </a:rPr>
+                        <a:t>Language.</a:t>
+                      </a:r>
+                    </a:p>
+                    <a:p>
+                      <a:pPr algn="just">
                         <a:lnSpc>
                           <a:spcPct val="150000"/>
                         </a:lnSpc>
                       </a:pPr>
-                      <a:r>
-                        <a:rPr lang="en-US" sz="1700" b="0" strike="noStrike" spc="-1">
-                          <a:latin typeface="Times New Roman"/>
-                          <a:ea typeface="Calibri"/>
-                        </a:rPr>
-                        <a:t>The system was not user-friendly. Also Multilingual support can be provided  so that it can be understandable by the person of any Language.</a:t>
-                      </a:r>
-                      <a:endParaRPr lang="en-US" sz="1700" b="0" strike="noStrike" spc="-1">
-                        <a:latin typeface="Arial"/>
+                      <a:endParaRPr lang="en-US" sz="1600" b="0" strike="noStrike" spc="-1" dirty="0">
+                        <a:latin typeface="Times New Roman" panose="02020603050405020304" pitchFamily="18" charset="0"/>
+                        <a:cs typeface="Times New Roman" panose="02020603050405020304" pitchFamily="18" charset="0"/>
                       </a:endParaRPr>
                     </a:p>
                   </a:txBody>
-                  <a:tcPr marL="90000" marR="90000">
-                    <a:lnL w="720">
-                      <a:solidFill>
-                        <a:srgbClr val="FFFFFF"/>
-                      </a:solidFill>
-                    </a:lnL>
-                    <a:lnR w="720">
-                      <a:solidFill>
-                        <a:srgbClr val="FFFFFF"/>
-                      </a:solidFill>
-                    </a:lnR>
-                    <a:lnT w="720">
-                      <a:solidFill>
-                        <a:srgbClr val="FFFFFF"/>
-                      </a:solidFill>
-                    </a:lnT>
-                    <a:lnB w="720">
-                      <a:solidFill>
-                        <a:srgbClr val="FFFFFF"/>
-                      </a:solidFill>
-                    </a:lnB>
-                    <a:solidFill>
-                      <a:srgbClr val="CCCCCC"/>
-                    </a:solidFill>
-                  </a:tcPr>
+                  <a:tcPr marL="90000" marR="90000"/>
                 </a:tc>
                 <a:extLst>
                   <a:ext uri="{0D108BD9-81ED-4DB2-BD59-A6C34878D82A}">
@@ -8192,41 +9148,133 @@
                   </a:ext>
                 </a:extLst>
               </a:tr>
-              <a:tr h="1897200">
+              <a:tr h="2051443">
                 <a:tc>
                   <a:txBody>
                     <a:bodyPr/>
                     <a:lstStyle/>
                     <a:p>
-                      <a:pPr>
+                      <a:r>
+                        <a:rPr lang="en-US" sz="1600" kern="1200" dirty="0" err="1" smtClean="0">
+                          <a:solidFill>
+                            <a:schemeClr val="tx1"/>
+                          </a:solidFill>
+                          <a:effectLst/>
+                          <a:latin typeface="Times New Roman" panose="02020603050405020304" pitchFamily="18" charset="0"/>
+                          <a:ea typeface="+mn-ea"/>
+                          <a:cs typeface="Times New Roman" panose="02020603050405020304" pitchFamily="18" charset="0"/>
+                        </a:rPr>
+                        <a:t>Selvakani</a:t>
+                      </a:r>
+                      <a:r>
+                        <a:rPr lang="en-US" sz="1600" kern="1200" dirty="0" smtClean="0">
+                          <a:solidFill>
+                            <a:schemeClr val="tx1"/>
+                          </a:solidFill>
+                          <a:effectLst/>
+                          <a:latin typeface="Times New Roman" panose="02020603050405020304" pitchFamily="18" charset="0"/>
+                          <a:ea typeface="+mn-ea"/>
+                          <a:cs typeface="Times New Roman" panose="02020603050405020304" pitchFamily="18" charset="0"/>
+                        </a:rPr>
+                        <a:t>, </a:t>
+                      </a:r>
+                      <a:r>
+                        <a:rPr lang="en-US" sz="1600" kern="1200" dirty="0" err="1" smtClean="0">
+                          <a:solidFill>
+                            <a:schemeClr val="tx1"/>
+                          </a:solidFill>
+                          <a:effectLst/>
+                          <a:latin typeface="Times New Roman" panose="02020603050405020304" pitchFamily="18" charset="0"/>
+                          <a:ea typeface="+mn-ea"/>
+                          <a:cs typeface="Times New Roman" panose="02020603050405020304" pitchFamily="18" charset="0"/>
+                        </a:rPr>
+                        <a:t>Vasumathi</a:t>
+                      </a:r>
+                      <a:r>
+                        <a:rPr lang="en-US" sz="1600" kern="1200" dirty="0" smtClean="0">
+                          <a:solidFill>
+                            <a:schemeClr val="tx1"/>
+                          </a:solidFill>
+                          <a:effectLst/>
+                          <a:latin typeface="Times New Roman" panose="02020603050405020304" pitchFamily="18" charset="0"/>
+                          <a:ea typeface="+mn-ea"/>
+                          <a:cs typeface="Times New Roman" panose="02020603050405020304" pitchFamily="18" charset="0"/>
+                        </a:rPr>
+                        <a:t> &amp; </a:t>
+                      </a:r>
+                      <a:r>
+                        <a:rPr lang="en-US" sz="1600" kern="1200" dirty="0" err="1" smtClean="0">
+                          <a:solidFill>
+                            <a:schemeClr val="tx1"/>
+                          </a:solidFill>
+                          <a:effectLst/>
+                          <a:latin typeface="Times New Roman" panose="02020603050405020304" pitchFamily="18" charset="0"/>
+                          <a:ea typeface="+mn-ea"/>
+                          <a:cs typeface="Times New Roman" panose="02020603050405020304" pitchFamily="18" charset="0"/>
+                        </a:rPr>
+                        <a:t>Harikaran</a:t>
+                      </a:r>
+                      <a:r>
+                        <a:rPr lang="en-US" sz="1600" kern="1200" dirty="0" smtClean="0">
+                          <a:solidFill>
+                            <a:schemeClr val="tx1"/>
+                          </a:solidFill>
+                          <a:effectLst/>
+                          <a:latin typeface="Times New Roman" panose="02020603050405020304" pitchFamily="18" charset="0"/>
+                          <a:ea typeface="+mn-ea"/>
+                          <a:cs typeface="Times New Roman" panose="02020603050405020304" pitchFamily="18" charset="0"/>
+                        </a:rPr>
+                        <a:t> (2019)</a:t>
+                      </a:r>
+                      <a:endParaRPr lang="en-US" sz="1600" kern="1200" dirty="0">
+                        <a:solidFill>
+                          <a:schemeClr val="tx1"/>
+                        </a:solidFill>
+                        <a:effectLst/>
+                        <a:latin typeface="Times New Roman" panose="02020603050405020304" pitchFamily="18" charset="0"/>
+                        <a:ea typeface="+mn-ea"/>
+                        <a:cs typeface="Times New Roman" panose="02020603050405020304" pitchFamily="18" charset="0"/>
+                      </a:endParaRPr>
+                    </a:p>
+                  </a:txBody>
+                  <a:tcPr marL="90000" marR="90000"/>
+                </a:tc>
+                <a:tc>
+                  <a:txBody>
+                    <a:bodyPr/>
+                    <a:lstStyle/>
+                    <a:p>
+                      <a:pPr algn="just">
                         <a:lnSpc>
                           <a:spcPct val="150000"/>
                         </a:lnSpc>
                       </a:pPr>
                       <a:r>
-                        <a:rPr lang="en-US" sz="1700" b="0" strike="noStrike" spc="-1">
-                          <a:latin typeface="Times New Roman"/>
+                        <a:rPr lang="en-US" sz="1600" kern="1200" dirty="0" smtClean="0">
+                          <a:solidFill>
+                            <a:schemeClr val="tx1"/>
+                          </a:solidFill>
+                          <a:effectLst/>
+                          <a:latin typeface="Times New Roman" panose="02020603050405020304" pitchFamily="18" charset="0"/>
+                          <a:ea typeface="+mn-ea"/>
+                          <a:cs typeface="Times New Roman" panose="02020603050405020304" pitchFamily="18" charset="0"/>
                         </a:rPr>
-                        <a:t>Selvakani S. </a:t>
+                        <a:t>A Web Based Online Crime Reporting System. The framework comprises of three useful modules: an information catch module, a report the board and control module, and an information usage module.</a:t>
                       </a:r>
-                      <a:r>
-                        <a:rPr lang="en-US" sz="1700" b="0" i="1" strike="noStrike" spc="-1">
-                          <a:latin typeface="Times New Roman"/>
-                        </a:rPr>
-                        <a:t> et al </a:t>
-                      </a:r>
-                      <a:r>
-                        <a:rPr lang="en-US" sz="1700" b="0" strike="noStrike" spc="-1">
-                          <a:latin typeface="Times New Roman"/>
-                        </a:rPr>
-                        <a:t>(2019)</a:t>
-                      </a:r>
-                      <a:endParaRPr lang="en-US" sz="1700" b="0" strike="noStrike" spc="-1">
-                        <a:latin typeface="Arial"/>
+                      <a:endParaRPr lang="en-US" sz="1600" b="0" strike="noStrike" spc="-1" dirty="0">
+                        <a:latin typeface="Times New Roman" panose="02020603050405020304" pitchFamily="18" charset="0"/>
+                        <a:cs typeface="Times New Roman" panose="02020603050405020304" pitchFamily="18" charset="0"/>
                       </a:endParaRPr>
                     </a:p>
+                  </a:txBody>
+                  <a:tcPr marL="90000" marR="90000"/>
+                </a:tc>
+                <a:tc>
+                  <a:txBody>
+                    <a:bodyPr/>
+                    <a:lstStyle/>
                     <a:p>
-                      <a:pPr>
+                      <a:pPr algn="l">
                         <a:lnSpc>
                           <a:spcPct val="150000"/>
                         </a:lnSpc>
@@ -8235,190 +9283,24 @@
                         </a:spcAft>
                       </a:pPr>
                       <a:r>
-                        <a:rPr lang="en-US" sz="1700" b="0" strike="noStrike" spc="-1">
-                          <a:latin typeface="Times New Roman"/>
+                        <a:rPr lang="en-US" sz="1600" kern="1200" dirty="0" smtClean="0">
+                          <a:solidFill>
+                            <a:schemeClr val="tx1"/>
+                          </a:solidFill>
+                          <a:effectLst/>
+                          <a:latin typeface="Times New Roman" panose="02020603050405020304" pitchFamily="18" charset="0"/>
+                          <a:ea typeface="+mn-ea"/>
+                          <a:cs typeface="Times New Roman" panose="02020603050405020304" pitchFamily="18" charset="0"/>
                         </a:rPr>
-                        <a:t> </a:t>
+                        <a:t>The system lacks Multilingual.</a:t>
                       </a:r>
-                      <a:endParaRPr lang="en-US" sz="1700" b="0" strike="noStrike" spc="-1">
-                        <a:latin typeface="Arial"/>
+                      <a:endParaRPr lang="en-US" sz="1600" b="0" strike="noStrike" spc="-1" dirty="0">
+                        <a:latin typeface="Times New Roman" panose="02020603050405020304" pitchFamily="18" charset="0"/>
+                        <a:cs typeface="Times New Roman" panose="02020603050405020304" pitchFamily="18" charset="0"/>
                       </a:endParaRPr>
                     </a:p>
                   </a:txBody>
-                  <a:tcPr marL="90000" marR="90000">
-                    <a:lnL w="720">
-                      <a:solidFill>
-                        <a:srgbClr val="FFFFFF"/>
-                      </a:solidFill>
-                    </a:lnL>
-                    <a:lnR w="720">
-                      <a:solidFill>
-                        <a:srgbClr val="FFFFFF"/>
-                      </a:solidFill>
-                    </a:lnR>
-                    <a:lnT w="720">
-                      <a:solidFill>
-                        <a:srgbClr val="FFFFFF"/>
-                      </a:solidFill>
-                    </a:lnT>
-                    <a:lnB w="720">
-                      <a:solidFill>
-                        <a:srgbClr val="FFFFFF"/>
-                      </a:solidFill>
-                    </a:lnB>
-                    <a:solidFill>
-                      <a:srgbClr val="CCCCCC"/>
-                    </a:solidFill>
-                  </a:tcPr>
-                </a:tc>
-                <a:tc>
-                  <a:txBody>
-                    <a:bodyPr/>
-                    <a:lstStyle/>
-                    <a:p>
-                      <a:pPr>
-                        <a:lnSpc>
-                          <a:spcPct val="150000"/>
-                        </a:lnSpc>
-                      </a:pPr>
-                      <a:r>
-                        <a:rPr lang="en-US" sz="1700" b="0" strike="noStrike" spc="-1">
-                          <a:latin typeface="Times New Roman"/>
-                          <a:ea typeface="Times New Roman"/>
-                        </a:rPr>
-                        <a:t>The authors developed a framework comprises of three useful modules: </a:t>
-                      </a:r>
-                      <a:endParaRPr lang="en-US" sz="1700" b="0" strike="noStrike" spc="-1">
-                        <a:latin typeface="Arial"/>
-                      </a:endParaRPr>
-                    </a:p>
-                    <a:p>
-                      <a:pPr>
-                        <a:lnSpc>
-                          <a:spcPct val="150000"/>
-                        </a:lnSpc>
-                      </a:pPr>
-                      <a:r>
-                        <a:rPr lang="en-US" sz="1700" b="0" strike="noStrike" spc="-1">
-                          <a:latin typeface="Times New Roman"/>
-                          <a:ea typeface="Times New Roman"/>
-                        </a:rPr>
-                        <a:t>1. an information catch module</a:t>
-                      </a:r>
-                      <a:endParaRPr lang="en-US" sz="1700" b="0" strike="noStrike" spc="-1">
-                        <a:latin typeface="Arial"/>
-                      </a:endParaRPr>
-                    </a:p>
-                    <a:p>
-                      <a:pPr>
-                        <a:lnSpc>
-                          <a:spcPct val="150000"/>
-                        </a:lnSpc>
-                      </a:pPr>
-                      <a:r>
-                        <a:rPr lang="en-US" sz="1700" b="0" strike="noStrike" spc="-1">
-                          <a:latin typeface="Times New Roman"/>
-                          <a:ea typeface="Times New Roman"/>
-                        </a:rPr>
-                        <a:t>2. A report the board and control module </a:t>
-                      </a:r>
-                      <a:endParaRPr lang="en-US" sz="1700" b="0" strike="noStrike" spc="-1">
-                        <a:latin typeface="Arial"/>
-                      </a:endParaRPr>
-                    </a:p>
-                    <a:p>
-                      <a:pPr>
-                        <a:lnSpc>
-                          <a:spcPct val="150000"/>
-                        </a:lnSpc>
-                      </a:pPr>
-                      <a:r>
-                        <a:rPr lang="en-US" sz="1700" b="0" strike="noStrike" spc="-1">
-                          <a:latin typeface="Times New Roman"/>
-                          <a:ea typeface="Times New Roman"/>
-                        </a:rPr>
-                        <a:t>3. An information usage module. </a:t>
-                      </a:r>
-                      <a:endParaRPr lang="en-US" sz="1700" b="0" strike="noStrike" spc="-1">
-                        <a:latin typeface="Arial"/>
-                      </a:endParaRPr>
-                    </a:p>
-                  </a:txBody>
-                  <a:tcPr marL="90000" marR="90000">
-                    <a:lnL w="720">
-                      <a:solidFill>
-                        <a:srgbClr val="FFFFFF"/>
-                      </a:solidFill>
-                    </a:lnL>
-                    <a:lnR w="720">
-                      <a:solidFill>
-                        <a:srgbClr val="FFFFFF"/>
-                      </a:solidFill>
-                    </a:lnR>
-                    <a:lnT w="720">
-                      <a:solidFill>
-                        <a:srgbClr val="FFFFFF"/>
-                      </a:solidFill>
-                    </a:lnT>
-                    <a:lnB w="720">
-                      <a:solidFill>
-                        <a:srgbClr val="FFFFFF"/>
-                      </a:solidFill>
-                    </a:lnB>
-                    <a:solidFill>
-                      <a:srgbClr val="CCCCCC"/>
-                    </a:solidFill>
-                  </a:tcPr>
-                </a:tc>
-                <a:tc>
-                  <a:txBody>
-                    <a:bodyPr/>
-                    <a:lstStyle/>
-                    <a:p>
-                      <a:pPr>
-                        <a:lnSpc>
-                          <a:spcPct val="115000"/>
-                        </a:lnSpc>
-                        <a:spcAft>
-                          <a:spcPts val="1001"/>
-                        </a:spcAft>
-                      </a:pPr>
-                      <a:r>
-                        <a:rPr lang="en-US" sz="1700" b="0" strike="noStrike" spc="-1">
-                          <a:latin typeface="Times New Roman"/>
-                        </a:rPr>
-                        <a:t>The system was not custom-made towards availability (portable rendition), mindfulness and enhancement for the utilization.</a:t>
-                      </a:r>
-                      <a:endParaRPr lang="en-US" sz="1700" b="0" strike="noStrike" spc="-1">
-                        <a:latin typeface="Arial"/>
-                      </a:endParaRPr>
-                    </a:p>
-                  </a:txBody>
-                  <a:tcPr marL="90000" marR="90000">
-                    <a:lnL w="720">
-                      <a:solidFill>
-                        <a:srgbClr val="FFFFFF"/>
-                      </a:solidFill>
-                    </a:lnL>
-                    <a:lnR w="720">
-                      <a:solidFill>
-                        <a:srgbClr val="FFFFFF"/>
-                      </a:solidFill>
-                    </a:lnR>
-                    <a:lnT w="720">
-                      <a:solidFill>
-                        <a:srgbClr val="FFFFFF"/>
-                      </a:solidFill>
-                    </a:lnT>
-                    <a:lnB w="720">
-                      <a:solidFill>
-                        <a:srgbClr val="FFFFFF"/>
-                      </a:solidFill>
-                    </a:lnB>
-                    <a:solidFill>
-                      <a:srgbClr val="CCCCCC"/>
-                    </a:solidFill>
-                  </a:tcPr>
+                  <a:tcPr marL="90000" marR="90000"/>
                 </a:tc>
                 <a:extLst>
                   <a:ext uri="{0D108BD9-81ED-4DB2-BD59-A6C34878D82A}">
@@ -8430,6 +9312,44 @@
           </a:graphicData>
         </a:graphic>
       </p:graphicFrame>
+      <p:sp>
+        <p:nvSpPr>
+          <p:cNvPr id="5" name="TextBox 4"/>
+          <p:cNvSpPr txBox="1"/>
+          <p:nvPr/>
+        </p:nvSpPr>
+        <p:spPr>
+          <a:xfrm>
+            <a:off x="503640" y="288194"/>
+            <a:ext cx="593766" cy="369332"/>
+          </a:xfrm>
+          <a:prstGeom prst="rect">
+            <a:avLst/>
+          </a:prstGeom>
+          <a:noFill/>
+        </p:spPr>
+        <p:txBody>
+          <a:bodyPr wrap="square" rtlCol="0">
+            <a:spAutoFit/>
+          </a:bodyPr>
+          <a:lstStyle/>
+          <a:p>
+            <a:r>
+              <a:rPr lang="en-US" b="1" dirty="0" smtClean="0">
+                <a:solidFill>
+                  <a:srgbClr val="C00000"/>
+                </a:solidFill>
+              </a:rPr>
+              <a:t>7</a:t>
+            </a:r>
+            <a:endParaRPr lang="en-US" b="1" dirty="0">
+              <a:solidFill>
+                <a:srgbClr val="C00000"/>
+              </a:solidFill>
+            </a:endParaRPr>
+          </a:p>
+        </p:txBody>
+      </p:sp>
     </p:spTree>
   </p:cSld>
   <p:clrMapOvr>
@@ -8570,29 +9490,6 @@
           <a:fontRef idx="minor"/>
         </p:style>
       </p:sp>
-      <p:pic>
-        <p:nvPicPr>
-          <p:cNvPr id="95" name="Picture 94"/>
-          <p:cNvPicPr/>
-          <p:nvPr/>
-        </p:nvPicPr>
-        <p:blipFill>
-          <a:blip r:embed="rId2"/>
-          <a:stretch/>
-        </p:blipFill>
-        <p:spPr>
-          <a:xfrm>
-            <a:off x="3383280" y="1280520"/>
-            <a:ext cx="3709440" cy="3657240"/>
-          </a:xfrm>
-          <a:prstGeom prst="rect">
-            <a:avLst/>
-          </a:prstGeom>
-          <a:ln>
-            <a:noFill/>
-          </a:ln>
-        </p:spPr>
-      </p:pic>
       <p:sp>
         <p:nvSpPr>
           <p:cNvPr id="96" name="TextShape 3"/>
@@ -8681,6 +9578,74 @@
           </a:p>
         </p:txBody>
       </p:sp>
+      <p:sp>
+        <p:nvSpPr>
+          <p:cNvPr id="6" name="TextBox 5"/>
+          <p:cNvSpPr txBox="1"/>
+          <p:nvPr/>
+        </p:nvSpPr>
+        <p:spPr>
+          <a:xfrm>
+            <a:off x="503640" y="399831"/>
+            <a:ext cx="593766" cy="369332"/>
+          </a:xfrm>
+          <a:prstGeom prst="rect">
+            <a:avLst/>
+          </a:prstGeom>
+          <a:noFill/>
+        </p:spPr>
+        <p:txBody>
+          <a:bodyPr wrap="square" rtlCol="0">
+            <a:spAutoFit/>
+          </a:bodyPr>
+          <a:lstStyle/>
+          <a:p>
+            <a:r>
+              <a:rPr lang="en-US" b="1" dirty="0" smtClean="0">
+                <a:solidFill>
+                  <a:srgbClr val="C00000"/>
+                </a:solidFill>
+              </a:rPr>
+              <a:t>8</a:t>
+            </a:r>
+            <a:endParaRPr lang="en-US" b="1" dirty="0">
+              <a:solidFill>
+                <a:srgbClr val="C00000"/>
+              </a:solidFill>
+            </a:endParaRPr>
+          </a:p>
+        </p:txBody>
+      </p:sp>
+      <p:pic>
+        <p:nvPicPr>
+          <p:cNvPr id="2" name="Picture 1"/>
+          <p:cNvPicPr>
+            <a:picLocks noChangeAspect="1"/>
+          </p:cNvPicPr>
+          <p:nvPr/>
+        </p:nvPicPr>
+        <p:blipFill>
+          <a:blip r:embed="rId2">
+            <a:extLst>
+              <a:ext uri="{28A0092B-C50C-407E-A947-70E740481C1C}">
+                <a14:useLocalDpi xmlns:a14="http://schemas.microsoft.com/office/drawing/2010/main" val="0"/>
+              </a:ext>
+            </a:extLst>
+          </a:blip>
+          <a:stretch>
+            <a:fillRect/>
+          </a:stretch>
+        </p:blipFill>
+        <p:spPr>
+          <a:xfrm>
+            <a:off x="3035808" y="1044720"/>
+            <a:ext cx="3986783" cy="3737520"/>
+          </a:xfrm>
+          <a:prstGeom prst="rect">
+            <a:avLst/>
+          </a:prstGeom>
+        </p:spPr>
+      </p:pic>
     </p:spTree>
   </p:cSld>
   <p:clrMapOvr>
